--- a/regional test code/StateMachines.pptx
+++ b/regional test code/StateMachines.pptx
@@ -6,6 +6,7 @@
   </p:sldMasterIdLst>
   <p:sldIdLst>
     <p:sldId id="256" r:id="rId2"/>
+    <p:sldId id="258" r:id="rId3"/>
   </p:sldIdLst>
   <p:sldSz cx="9144000" cy="6858000" type="screen4x3"/>
   <p:notesSz cx="6858000" cy="9144000"/>
@@ -288,7 +289,7 @@
           <a:p>
             <a:fld id="{497C7D27-FF4C-4C01-9052-DF2C42475871}" type="datetimeFigureOut">
               <a:rPr lang="en-US" smtClean="0"/>
-              <a:t>3/27/2014</a:t>
+              <a:t>3/29/2014</a:t>
             </a:fld>
             <a:endParaRPr lang="en-US"/>
           </a:p>
@@ -453,7 +454,7 @@
           <a:p>
             <a:fld id="{497C7D27-FF4C-4C01-9052-DF2C42475871}" type="datetimeFigureOut">
               <a:rPr lang="en-US" smtClean="0"/>
-              <a:t>3/27/2014</a:t>
+              <a:t>3/29/2014</a:t>
             </a:fld>
             <a:endParaRPr lang="en-US"/>
           </a:p>
@@ -628,7 +629,7 @@
           <a:p>
             <a:fld id="{497C7D27-FF4C-4C01-9052-DF2C42475871}" type="datetimeFigureOut">
               <a:rPr lang="en-US" smtClean="0"/>
-              <a:t>3/27/2014</a:t>
+              <a:t>3/29/2014</a:t>
             </a:fld>
             <a:endParaRPr lang="en-US"/>
           </a:p>
@@ -793,7 +794,7 @@
           <a:p>
             <a:fld id="{497C7D27-FF4C-4C01-9052-DF2C42475871}" type="datetimeFigureOut">
               <a:rPr lang="en-US" smtClean="0"/>
-              <a:t>3/27/2014</a:t>
+              <a:t>3/29/2014</a:t>
             </a:fld>
             <a:endParaRPr lang="en-US"/>
           </a:p>
@@ -1034,7 +1035,7 @@
           <a:p>
             <a:fld id="{497C7D27-FF4C-4C01-9052-DF2C42475871}" type="datetimeFigureOut">
               <a:rPr lang="en-US" smtClean="0"/>
-              <a:t>3/27/2014</a:t>
+              <a:t>3/29/2014</a:t>
             </a:fld>
             <a:endParaRPr lang="en-US"/>
           </a:p>
@@ -1317,7 +1318,7 @@
           <a:p>
             <a:fld id="{497C7D27-FF4C-4C01-9052-DF2C42475871}" type="datetimeFigureOut">
               <a:rPr lang="en-US" smtClean="0"/>
-              <a:t>3/27/2014</a:t>
+              <a:t>3/29/2014</a:t>
             </a:fld>
             <a:endParaRPr lang="en-US"/>
           </a:p>
@@ -1734,7 +1735,7 @@
           <a:p>
             <a:fld id="{497C7D27-FF4C-4C01-9052-DF2C42475871}" type="datetimeFigureOut">
               <a:rPr lang="en-US" smtClean="0"/>
-              <a:t>3/27/2014</a:t>
+              <a:t>3/29/2014</a:t>
             </a:fld>
             <a:endParaRPr lang="en-US"/>
           </a:p>
@@ -1847,7 +1848,7 @@
           <a:p>
             <a:fld id="{497C7D27-FF4C-4C01-9052-DF2C42475871}" type="datetimeFigureOut">
               <a:rPr lang="en-US" smtClean="0"/>
-              <a:t>3/27/2014</a:t>
+              <a:t>3/29/2014</a:t>
             </a:fld>
             <a:endParaRPr lang="en-US"/>
           </a:p>
@@ -1937,7 +1938,7 @@
           <a:p>
             <a:fld id="{497C7D27-FF4C-4C01-9052-DF2C42475871}" type="datetimeFigureOut">
               <a:rPr lang="en-US" smtClean="0"/>
-              <a:t>3/27/2014</a:t>
+              <a:t>3/29/2014</a:t>
             </a:fld>
             <a:endParaRPr lang="en-US"/>
           </a:p>
@@ -2209,7 +2210,7 @@
           <a:p>
             <a:fld id="{497C7D27-FF4C-4C01-9052-DF2C42475871}" type="datetimeFigureOut">
               <a:rPr lang="en-US" smtClean="0"/>
-              <a:t>3/27/2014</a:t>
+              <a:t>3/29/2014</a:t>
             </a:fld>
             <a:endParaRPr lang="en-US"/>
           </a:p>
@@ -2457,7 +2458,7 @@
           <a:p>
             <a:fld id="{497C7D27-FF4C-4C01-9052-DF2C42475871}" type="datetimeFigureOut">
               <a:rPr lang="en-US" smtClean="0"/>
-              <a:t>3/27/2014</a:t>
+              <a:t>3/29/2014</a:t>
             </a:fld>
             <a:endParaRPr lang="en-US"/>
           </a:p>
@@ -2665,7 +2666,7 @@
           <a:p>
             <a:fld id="{497C7D27-FF4C-4C01-9052-DF2C42475871}" type="datetimeFigureOut">
               <a:rPr lang="en-US" smtClean="0"/>
-              <a:t>3/27/2014</a:t>
+              <a:t>3/29/2014</a:t>
             </a:fld>
             <a:endParaRPr lang="en-US"/>
           </a:p>
@@ -3190,7 +3191,7 @@
         </p:nvSpPr>
         <p:spPr>
           <a:xfrm>
-            <a:off x="1600200" y="2209800"/>
+            <a:off x="1638837" y="2209800"/>
             <a:ext cx="1477328" cy="369332"/>
           </a:xfrm>
           <a:prstGeom prst="rect">
@@ -3224,8 +3225,8 @@
         </p:nvSpPr>
         <p:spPr>
           <a:xfrm>
-            <a:off x="5943600" y="2362200"/>
-            <a:ext cx="990600" cy="609600"/>
+            <a:off x="7768649" y="2268102"/>
+            <a:ext cx="1108651" cy="768230"/>
           </a:xfrm>
           <a:prstGeom prst="ellipse">
             <a:avLst/>
@@ -3254,7 +3255,11 @@
             <a:pPr algn="ctr"/>
             <a:r>
               <a:rPr lang="en-US" dirty="0" smtClean="0"/>
-              <a:t>7 Flip Box</a:t>
+              <a:t> 10 Flip </a:t>
+            </a:r>
+            <a:r>
+              <a:rPr lang="en-US" dirty="0" smtClean="0"/>
+              <a:t>Box</a:t>
             </a:r>
           </a:p>
         </p:txBody>
@@ -3269,9 +3274,9 @@
           <p:nvPr/>
         </p:nvCxnSpPr>
         <p:spPr>
-          <a:xfrm>
-            <a:off x="3962400" y="2667000"/>
-            <a:ext cx="1981200" cy="0"/>
+          <a:xfrm flipV="1">
+            <a:off x="3962400" y="2652217"/>
+            <a:ext cx="3806249" cy="14783"/>
           </a:xfrm>
           <a:prstGeom prst="straightConnector1">
             <a:avLst/>
@@ -3303,7 +3308,7 @@
         </p:nvSpPr>
         <p:spPr>
           <a:xfrm>
-            <a:off x="4495800" y="2362200"/>
+            <a:off x="4181419" y="2362200"/>
             <a:ext cx="628762" cy="369332"/>
           </a:xfrm>
           <a:prstGeom prst="rect">
@@ -3558,14 +3563,14 @@
           <p:cNvPr id="46" name="Straight Arrow Connector 45"/>
           <p:cNvCxnSpPr>
             <a:stCxn id="38" idx="6"/>
-            <a:endCxn id="11" idx="2"/>
+            <a:endCxn id="41" idx="2"/>
           </p:cNvCxnSpPr>
           <p:nvPr/>
         </p:nvCxnSpPr>
         <p:spPr>
-          <a:xfrm flipV="1">
-            <a:off x="3962400" y="2667000"/>
-            <a:ext cx="1981200" cy="1066800"/>
+          <a:xfrm>
+            <a:off x="3962400" y="3733800"/>
+            <a:ext cx="1314450" cy="17898"/>
           </a:xfrm>
           <a:prstGeom prst="straightConnector1">
             <a:avLst/>
@@ -3847,6 +3852,1513 @@
           </a:p>
         </p:txBody>
       </p:sp>
+      <p:sp>
+        <p:nvSpPr>
+          <p:cNvPr id="65" name="TextBox 64"/>
+          <p:cNvSpPr txBox="1"/>
+          <p:nvPr/>
+        </p:nvSpPr>
+        <p:spPr>
+          <a:xfrm>
+            <a:off x="4242783" y="4415445"/>
+            <a:ext cx="628762" cy="369332"/>
+          </a:xfrm>
+          <a:prstGeom prst="rect">
+            <a:avLst/>
+          </a:prstGeom>
+          <a:noFill/>
+        </p:spPr>
+        <p:txBody>
+          <a:bodyPr wrap="none" rtlCol="0">
+            <a:spAutoFit/>
+          </a:bodyPr>
+          <a:lstStyle/>
+          <a:p>
+            <a:r>
+              <a:rPr lang="en-US" dirty="0" err="1" smtClean="0"/>
+              <a:t>IRval</a:t>
+            </a:r>
+            <a:endParaRPr lang="en-US" dirty="0"/>
+          </a:p>
+        </p:txBody>
+      </p:sp>
+      <p:sp>
+        <p:nvSpPr>
+          <p:cNvPr id="66" name="Oval 65"/>
+          <p:cNvSpPr/>
+          <p:nvPr/>
+        </p:nvSpPr>
+        <p:spPr>
+          <a:xfrm>
+            <a:off x="457200" y="5943600"/>
+            <a:ext cx="1447800" cy="685800"/>
+          </a:xfrm>
+          <a:prstGeom prst="ellipse">
+            <a:avLst/>
+          </a:prstGeom>
+        </p:spPr>
+        <p:style>
+          <a:lnRef idx="2">
+            <a:schemeClr val="accent1">
+              <a:shade val="50000"/>
+            </a:schemeClr>
+          </a:lnRef>
+          <a:fillRef idx="1">
+            <a:schemeClr val="accent1"/>
+          </a:fillRef>
+          <a:effectRef idx="0">
+            <a:schemeClr val="accent1"/>
+          </a:effectRef>
+          <a:fontRef idx="minor">
+            <a:schemeClr val="lt1"/>
+          </a:fontRef>
+        </p:style>
+        <p:txBody>
+          <a:bodyPr rtlCol="0" anchor="ctr"/>
+          <a:lstStyle/>
+          <a:p>
+            <a:pPr algn="ctr"/>
+            <a:r>
+              <a:rPr lang="en-US" dirty="0" smtClean="0"/>
+              <a:t>6 Follow Path</a:t>
+            </a:r>
+            <a:endParaRPr lang="en-US" dirty="0"/>
+          </a:p>
+        </p:txBody>
+      </p:sp>
+      <p:sp>
+        <p:nvSpPr>
+          <p:cNvPr id="67" name="TextBox 66"/>
+          <p:cNvSpPr txBox="1"/>
+          <p:nvPr/>
+        </p:nvSpPr>
+        <p:spPr>
+          <a:xfrm>
+            <a:off x="2057400" y="5562600"/>
+            <a:ext cx="1089016" cy="369332"/>
+          </a:xfrm>
+          <a:prstGeom prst="rect">
+            <a:avLst/>
+          </a:prstGeom>
+          <a:noFill/>
+        </p:spPr>
+        <p:txBody>
+          <a:bodyPr wrap="none" rtlCol="0">
+            <a:spAutoFit/>
+          </a:bodyPr>
+          <a:lstStyle/>
+          <a:p>
+            <a:r>
+              <a:rPr lang="en-US" dirty="0" smtClean="0"/>
+              <a:t>NOT </a:t>
+            </a:r>
+            <a:r>
+              <a:rPr lang="en-US" dirty="0" err="1" smtClean="0"/>
+              <a:t>IRval</a:t>
+            </a:r>
+            <a:endParaRPr lang="en-US" dirty="0"/>
+          </a:p>
+        </p:txBody>
+      </p:sp>
+      <p:cxnSp>
+        <p:nvCxnSpPr>
+          <p:cNvPr id="68" name="Straight Arrow Connector 67"/>
+          <p:cNvCxnSpPr>
+            <a:stCxn id="52" idx="3"/>
+            <a:endCxn id="66" idx="6"/>
+          </p:cNvCxnSpPr>
+          <p:nvPr/>
+        </p:nvCxnSpPr>
+        <p:spPr>
+          <a:xfrm flipH="1">
+            <a:off x="1905000" y="5168526"/>
+            <a:ext cx="1288070" cy="1117974"/>
+          </a:xfrm>
+          <a:prstGeom prst="straightConnector1">
+            <a:avLst/>
+          </a:prstGeom>
+          <a:ln>
+            <a:tailEnd type="arrow"/>
+          </a:ln>
+        </p:spPr>
+        <p:style>
+          <a:lnRef idx="1">
+            <a:schemeClr val="accent1"/>
+          </a:lnRef>
+          <a:fillRef idx="0">
+            <a:schemeClr val="accent1"/>
+          </a:fillRef>
+          <a:effectRef idx="0">
+            <a:schemeClr val="accent1"/>
+          </a:effectRef>
+          <a:fontRef idx="minor">
+            <a:schemeClr val="tx1"/>
+          </a:fontRef>
+        </p:style>
+      </p:cxnSp>
+      <p:sp>
+        <p:nvSpPr>
+          <p:cNvPr id="97" name="Oval 96"/>
+          <p:cNvSpPr/>
+          <p:nvPr/>
+        </p:nvSpPr>
+        <p:spPr>
+          <a:xfrm>
+            <a:off x="7967730" y="3920960"/>
+            <a:ext cx="1135670" cy="958334"/>
+          </a:xfrm>
+          <a:prstGeom prst="ellipse">
+            <a:avLst/>
+          </a:prstGeom>
+        </p:spPr>
+        <p:style>
+          <a:lnRef idx="2">
+            <a:schemeClr val="accent1">
+              <a:shade val="50000"/>
+            </a:schemeClr>
+          </a:lnRef>
+          <a:fillRef idx="1">
+            <a:schemeClr val="accent1"/>
+          </a:fillRef>
+          <a:effectRef idx="0">
+            <a:schemeClr val="accent1"/>
+          </a:effectRef>
+          <a:fontRef idx="minor">
+            <a:schemeClr val="lt1"/>
+          </a:fontRef>
+        </p:style>
+        <p:txBody>
+          <a:bodyPr rtlCol="0" anchor="ctr"/>
+          <a:lstStyle/>
+          <a:p>
+            <a:pPr algn="ctr"/>
+            <a:r>
+              <a:rPr lang="en-US" dirty="0" smtClean="0"/>
+              <a:t>11 Follow path</a:t>
+            </a:r>
+            <a:endParaRPr lang="en-US" dirty="0" smtClean="0"/>
+          </a:p>
+        </p:txBody>
+      </p:sp>
+      <p:sp>
+        <p:nvSpPr>
+          <p:cNvPr id="30" name="TextBox 29"/>
+          <p:cNvSpPr txBox="1"/>
+          <p:nvPr/>
+        </p:nvSpPr>
+        <p:spPr>
+          <a:xfrm>
+            <a:off x="3023561" y="1870381"/>
+            <a:ext cx="915764" cy="369332"/>
+          </a:xfrm>
+          <a:prstGeom prst="rect">
+            <a:avLst/>
+          </a:prstGeom>
+          <a:noFill/>
+        </p:spPr>
+        <p:txBody>
+          <a:bodyPr wrap="none" rtlCol="0">
+            <a:spAutoFit/>
+          </a:bodyPr>
+          <a:lstStyle/>
+          <a:p>
+            <a:r>
+              <a:rPr lang="en-US" dirty="0" err="1" smtClean="0"/>
+              <a:t>Svo</a:t>
+            </a:r>
+            <a:r>
+              <a:rPr lang="en-US" dirty="0" smtClean="0"/>
+              <a:t> Out</a:t>
+            </a:r>
+            <a:endParaRPr lang="en-US" dirty="0"/>
+          </a:p>
+        </p:txBody>
+      </p:sp>
+      <p:sp>
+        <p:nvSpPr>
+          <p:cNvPr id="31" name="TextBox 30"/>
+          <p:cNvSpPr txBox="1"/>
+          <p:nvPr/>
+        </p:nvSpPr>
+        <p:spPr>
+          <a:xfrm>
+            <a:off x="608918" y="4368142"/>
+            <a:ext cx="792333" cy="369332"/>
+          </a:xfrm>
+          <a:prstGeom prst="rect">
+            <a:avLst/>
+          </a:prstGeom>
+          <a:noFill/>
+        </p:spPr>
+        <p:txBody>
+          <a:bodyPr wrap="none" rtlCol="0">
+            <a:spAutoFit/>
+          </a:bodyPr>
+          <a:lstStyle/>
+          <a:p>
+            <a:r>
+              <a:rPr lang="en-US" dirty="0" err="1" smtClean="0"/>
+              <a:t>Svo</a:t>
+            </a:r>
+            <a:r>
+              <a:rPr lang="en-US" dirty="0" smtClean="0"/>
+              <a:t> in </a:t>
+            </a:r>
+            <a:endParaRPr lang="en-US" dirty="0"/>
+          </a:p>
+        </p:txBody>
+      </p:sp>
+      <p:sp>
+        <p:nvSpPr>
+          <p:cNvPr id="2" name="Oval 1"/>
+          <p:cNvSpPr/>
+          <p:nvPr/>
+        </p:nvSpPr>
+        <p:spPr>
+          <a:xfrm>
+            <a:off x="5048362" y="2268102"/>
+            <a:ext cx="1295399" cy="797795"/>
+          </a:xfrm>
+          <a:prstGeom prst="ellipse">
+            <a:avLst/>
+          </a:prstGeom>
+        </p:spPr>
+        <p:style>
+          <a:lnRef idx="2">
+            <a:schemeClr val="accent1">
+              <a:shade val="50000"/>
+            </a:schemeClr>
+          </a:lnRef>
+          <a:fillRef idx="1">
+            <a:schemeClr val="accent1"/>
+          </a:fillRef>
+          <a:effectRef idx="0">
+            <a:schemeClr val="accent1"/>
+          </a:effectRef>
+          <a:fontRef idx="minor">
+            <a:schemeClr val="lt1"/>
+          </a:fontRef>
+        </p:style>
+        <p:txBody>
+          <a:bodyPr rtlCol="0" anchor="ctr"/>
+          <a:lstStyle/>
+          <a:p>
+            <a:pPr algn="ctr"/>
+            <a:r>
+              <a:rPr lang="en-US" dirty="0" smtClean="0"/>
+              <a:t>7 follow path</a:t>
+            </a:r>
+            <a:endParaRPr lang="en-US" dirty="0"/>
+          </a:p>
+        </p:txBody>
+      </p:sp>
+      <p:sp>
+        <p:nvSpPr>
+          <p:cNvPr id="40" name="TextBox 39"/>
+          <p:cNvSpPr txBox="1"/>
+          <p:nvPr/>
+        </p:nvSpPr>
+        <p:spPr>
+          <a:xfrm>
+            <a:off x="6409372" y="2215166"/>
+            <a:ext cx="1350691" cy="369332"/>
+          </a:xfrm>
+          <a:prstGeom prst="rect">
+            <a:avLst/>
+          </a:prstGeom>
+          <a:noFill/>
+        </p:spPr>
+        <p:txBody>
+          <a:bodyPr wrap="none" rtlCol="0">
+            <a:spAutoFit/>
+          </a:bodyPr>
+          <a:lstStyle/>
+          <a:p>
+            <a:r>
+              <a:rPr lang="en-US" dirty="0" err="1" smtClean="0"/>
+              <a:t>distInches</a:t>
+            </a:r>
+            <a:r>
+              <a:rPr lang="en-US" dirty="0" smtClean="0"/>
+              <a:t>&gt;?</a:t>
+            </a:r>
+            <a:endParaRPr lang="en-US" dirty="0"/>
+          </a:p>
+        </p:txBody>
+      </p:sp>
+      <p:sp>
+        <p:nvSpPr>
+          <p:cNvPr id="41" name="Oval 40"/>
+          <p:cNvSpPr/>
+          <p:nvPr/>
+        </p:nvSpPr>
+        <p:spPr>
+          <a:xfrm>
+            <a:off x="5276850" y="3352800"/>
+            <a:ext cx="1295399" cy="797795"/>
+          </a:xfrm>
+          <a:prstGeom prst="ellipse">
+            <a:avLst/>
+          </a:prstGeom>
+        </p:spPr>
+        <p:style>
+          <a:lnRef idx="2">
+            <a:schemeClr val="accent1">
+              <a:shade val="50000"/>
+            </a:schemeClr>
+          </a:lnRef>
+          <a:fillRef idx="1">
+            <a:schemeClr val="accent1"/>
+          </a:fillRef>
+          <a:effectRef idx="0">
+            <a:schemeClr val="accent1"/>
+          </a:effectRef>
+          <a:fontRef idx="minor">
+            <a:schemeClr val="lt1"/>
+          </a:fontRef>
+        </p:style>
+        <p:txBody>
+          <a:bodyPr rtlCol="0" anchor="ctr"/>
+          <a:lstStyle/>
+          <a:p>
+            <a:pPr algn="ctr"/>
+            <a:r>
+              <a:rPr lang="en-US" dirty="0" smtClean="0"/>
+              <a:t>8 follow path</a:t>
+            </a:r>
+            <a:endParaRPr lang="en-US" dirty="0"/>
+          </a:p>
+        </p:txBody>
+      </p:sp>
+      <p:cxnSp>
+        <p:nvCxnSpPr>
+          <p:cNvPr id="26" name="Straight Arrow Connector 25"/>
+          <p:cNvCxnSpPr>
+            <a:stCxn id="41" idx="6"/>
+            <a:endCxn id="11" idx="3"/>
+          </p:cNvCxnSpPr>
+          <p:nvPr/>
+        </p:nvCxnSpPr>
+        <p:spPr>
+          <a:xfrm flipV="1">
+            <a:off x="6572249" y="2923827"/>
+            <a:ext cx="1358758" cy="827871"/>
+          </a:xfrm>
+          <a:prstGeom prst="straightConnector1">
+            <a:avLst/>
+          </a:prstGeom>
+          <a:ln>
+            <a:tailEnd type="arrow"/>
+          </a:ln>
+        </p:spPr>
+        <p:style>
+          <a:lnRef idx="1">
+            <a:schemeClr val="accent1"/>
+          </a:lnRef>
+          <a:fillRef idx="0">
+            <a:schemeClr val="accent1"/>
+          </a:fillRef>
+          <a:effectRef idx="0">
+            <a:schemeClr val="accent1"/>
+          </a:effectRef>
+          <a:fontRef idx="minor">
+            <a:schemeClr val="tx1"/>
+          </a:fontRef>
+        </p:style>
+      </p:cxnSp>
+      <p:sp>
+        <p:nvSpPr>
+          <p:cNvPr id="48" name="Oval 47"/>
+          <p:cNvSpPr/>
+          <p:nvPr/>
+        </p:nvSpPr>
+        <p:spPr>
+          <a:xfrm>
+            <a:off x="5048361" y="4480397"/>
+            <a:ext cx="1295399" cy="797795"/>
+          </a:xfrm>
+          <a:prstGeom prst="ellipse">
+            <a:avLst/>
+          </a:prstGeom>
+        </p:spPr>
+        <p:style>
+          <a:lnRef idx="2">
+            <a:schemeClr val="accent1">
+              <a:shade val="50000"/>
+            </a:schemeClr>
+          </a:lnRef>
+          <a:fillRef idx="1">
+            <a:schemeClr val="accent1"/>
+          </a:fillRef>
+          <a:effectRef idx="0">
+            <a:schemeClr val="accent1"/>
+          </a:effectRef>
+          <a:fontRef idx="minor">
+            <a:schemeClr val="lt1"/>
+          </a:fontRef>
+        </p:style>
+        <p:txBody>
+          <a:bodyPr rtlCol="0" anchor="ctr"/>
+          <a:lstStyle/>
+          <a:p>
+            <a:pPr algn="ctr"/>
+            <a:r>
+              <a:rPr lang="en-US" dirty="0" smtClean="0"/>
+              <a:t>9 follow path</a:t>
+            </a:r>
+            <a:endParaRPr lang="en-US" dirty="0"/>
+          </a:p>
+        </p:txBody>
+      </p:sp>
+      <p:cxnSp>
+        <p:nvCxnSpPr>
+          <p:cNvPr id="32" name="Straight Arrow Connector 31"/>
+          <p:cNvCxnSpPr>
+            <a:stCxn id="52" idx="6"/>
+            <a:endCxn id="48" idx="2"/>
+          </p:cNvCxnSpPr>
+          <p:nvPr/>
+        </p:nvCxnSpPr>
+        <p:spPr>
+          <a:xfrm flipV="1">
+            <a:off x="4038600" y="4879295"/>
+            <a:ext cx="1009761" cy="73705"/>
+          </a:xfrm>
+          <a:prstGeom prst="straightConnector1">
+            <a:avLst/>
+          </a:prstGeom>
+          <a:ln>
+            <a:tailEnd type="arrow"/>
+          </a:ln>
+        </p:spPr>
+        <p:style>
+          <a:lnRef idx="1">
+            <a:schemeClr val="accent1"/>
+          </a:lnRef>
+          <a:fillRef idx="0">
+            <a:schemeClr val="accent1"/>
+          </a:fillRef>
+          <a:effectRef idx="0">
+            <a:schemeClr val="accent1"/>
+          </a:effectRef>
+          <a:fontRef idx="minor">
+            <a:schemeClr val="tx1"/>
+          </a:fontRef>
+        </p:style>
+      </p:cxnSp>
+      <p:cxnSp>
+        <p:nvCxnSpPr>
+          <p:cNvPr id="34" name="Straight Arrow Connector 33"/>
+          <p:cNvCxnSpPr>
+            <a:stCxn id="48" idx="6"/>
+            <a:endCxn id="11" idx="3"/>
+          </p:cNvCxnSpPr>
+          <p:nvPr/>
+        </p:nvCxnSpPr>
+        <p:spPr>
+          <a:xfrm flipV="1">
+            <a:off x="6343760" y="2923827"/>
+            <a:ext cx="1587247" cy="1955468"/>
+          </a:xfrm>
+          <a:prstGeom prst="straightConnector1">
+            <a:avLst/>
+          </a:prstGeom>
+          <a:ln>
+            <a:tailEnd type="arrow"/>
+          </a:ln>
+        </p:spPr>
+        <p:style>
+          <a:lnRef idx="1">
+            <a:schemeClr val="accent1"/>
+          </a:lnRef>
+          <a:fillRef idx="0">
+            <a:schemeClr val="accent1"/>
+          </a:fillRef>
+          <a:effectRef idx="0">
+            <a:schemeClr val="accent1"/>
+          </a:effectRef>
+          <a:fontRef idx="minor">
+            <a:schemeClr val="tx1"/>
+          </a:fontRef>
+        </p:style>
+      </p:cxnSp>
+      <p:cxnSp>
+        <p:nvCxnSpPr>
+          <p:cNvPr id="45" name="Elbow Connector 44"/>
+          <p:cNvCxnSpPr>
+            <a:stCxn id="66" idx="6"/>
+            <a:endCxn id="11" idx="3"/>
+          </p:cNvCxnSpPr>
+          <p:nvPr/>
+        </p:nvCxnSpPr>
+        <p:spPr>
+          <a:xfrm flipV="1">
+            <a:off x="1905000" y="2923827"/>
+            <a:ext cx="6026007" cy="3362673"/>
+          </a:xfrm>
+          <a:prstGeom prst="bentConnector2">
+            <a:avLst/>
+          </a:prstGeom>
+          <a:ln>
+            <a:tailEnd type="arrow"/>
+          </a:ln>
+        </p:spPr>
+        <p:style>
+          <a:lnRef idx="1">
+            <a:schemeClr val="accent1"/>
+          </a:lnRef>
+          <a:fillRef idx="0">
+            <a:schemeClr val="accent1"/>
+          </a:fillRef>
+          <a:effectRef idx="0">
+            <a:schemeClr val="accent1"/>
+          </a:effectRef>
+          <a:fontRef idx="minor">
+            <a:schemeClr val="tx1"/>
+          </a:fontRef>
+        </p:style>
+      </p:cxnSp>
+      <p:sp>
+        <p:nvSpPr>
+          <p:cNvPr id="64" name="TextBox 63"/>
+          <p:cNvSpPr txBox="1"/>
+          <p:nvPr/>
+        </p:nvSpPr>
+        <p:spPr>
+          <a:xfrm>
+            <a:off x="6512419" y="3036332"/>
+            <a:ext cx="1350691" cy="369332"/>
+          </a:xfrm>
+          <a:prstGeom prst="rect">
+            <a:avLst/>
+          </a:prstGeom>
+          <a:noFill/>
+        </p:spPr>
+        <p:txBody>
+          <a:bodyPr wrap="none" rtlCol="0">
+            <a:spAutoFit/>
+          </a:bodyPr>
+          <a:lstStyle/>
+          <a:p>
+            <a:r>
+              <a:rPr lang="en-US" dirty="0" err="1" smtClean="0"/>
+              <a:t>distInches</a:t>
+            </a:r>
+            <a:r>
+              <a:rPr lang="en-US" dirty="0" smtClean="0"/>
+              <a:t>&gt;?</a:t>
+            </a:r>
+            <a:endParaRPr lang="en-US" dirty="0"/>
+          </a:p>
+        </p:txBody>
+      </p:sp>
+      <p:sp>
+        <p:nvSpPr>
+          <p:cNvPr id="69" name="TextBox 68"/>
+          <p:cNvSpPr txBox="1"/>
+          <p:nvPr/>
+        </p:nvSpPr>
+        <p:spPr>
+          <a:xfrm>
+            <a:off x="6417958" y="4215461"/>
+            <a:ext cx="1350691" cy="369332"/>
+          </a:xfrm>
+          <a:prstGeom prst="rect">
+            <a:avLst/>
+          </a:prstGeom>
+          <a:noFill/>
+        </p:spPr>
+        <p:txBody>
+          <a:bodyPr wrap="none" rtlCol="0">
+            <a:spAutoFit/>
+          </a:bodyPr>
+          <a:lstStyle/>
+          <a:p>
+            <a:r>
+              <a:rPr lang="en-US" dirty="0" err="1" smtClean="0"/>
+              <a:t>distInches</a:t>
+            </a:r>
+            <a:r>
+              <a:rPr lang="en-US" dirty="0" smtClean="0"/>
+              <a:t>&gt;?</a:t>
+            </a:r>
+            <a:endParaRPr lang="en-US" dirty="0"/>
+          </a:p>
+        </p:txBody>
+      </p:sp>
+      <p:cxnSp>
+        <p:nvCxnSpPr>
+          <p:cNvPr id="74" name="Straight Arrow Connector 73"/>
+          <p:cNvCxnSpPr>
+            <a:stCxn id="11" idx="4"/>
+            <a:endCxn id="97" idx="0"/>
+          </p:cNvCxnSpPr>
+          <p:nvPr/>
+        </p:nvCxnSpPr>
+        <p:spPr>
+          <a:xfrm>
+            <a:off x="8322975" y="3036332"/>
+            <a:ext cx="212590" cy="884628"/>
+          </a:xfrm>
+          <a:prstGeom prst="straightConnector1">
+            <a:avLst/>
+          </a:prstGeom>
+          <a:ln>
+            <a:tailEnd type="arrow"/>
+          </a:ln>
+        </p:spPr>
+        <p:style>
+          <a:lnRef idx="1">
+            <a:schemeClr val="accent1"/>
+          </a:lnRef>
+          <a:fillRef idx="0">
+            <a:schemeClr val="accent1"/>
+          </a:fillRef>
+          <a:effectRef idx="0">
+            <a:schemeClr val="accent1"/>
+          </a:effectRef>
+          <a:fontRef idx="minor">
+            <a:schemeClr val="tx1"/>
+          </a:fontRef>
+        </p:style>
+      </p:cxnSp>
+    </p:spTree>
+  </p:cSld>
+  <p:clrMapOvr>
+    <a:masterClrMapping/>
+  </p:clrMapOvr>
+</p:sld>
+</file>
+
+<file path=ppt/slides/slide2.xml><?xml version="1.0" encoding="utf-8"?>
+<p:sld xmlns:a="http://schemas.openxmlformats.org/drawingml/2006/main" xmlns:r="http://schemas.openxmlformats.org/officeDocument/2006/relationships" xmlns:p="http://schemas.openxmlformats.org/presentationml/2006/main">
+  <p:cSld>
+    <p:spTree>
+      <p:nvGrpSpPr>
+        <p:cNvPr id="1" name=""/>
+        <p:cNvGrpSpPr/>
+        <p:nvPr/>
+      </p:nvGrpSpPr>
+      <p:grpSpPr>
+        <a:xfrm>
+          <a:off x="0" y="0"/>
+          <a:ext cx="0" cy="0"/>
+          <a:chOff x="0" y="0"/>
+          <a:chExt cx="0" cy="0"/>
+        </a:xfrm>
+      </p:grpSpPr>
+      <p:sp>
+        <p:nvSpPr>
+          <p:cNvPr id="4" name="Title 3"/>
+          <p:cNvSpPr>
+            <a:spLocks noGrp="1"/>
+          </p:cNvSpPr>
+          <p:nvPr>
+            <p:ph type="title"/>
+          </p:nvPr>
+        </p:nvSpPr>
+        <p:spPr/>
+        <p:txBody>
+          <a:bodyPr/>
+          <a:lstStyle/>
+          <a:p>
+            <a:r>
+              <a:rPr lang="en-US" dirty="0" err="1" smtClean="0"/>
+              <a:t>A_Ramp_IR.c</a:t>
+            </a:r>
+            <a:endParaRPr lang="en-US" dirty="0"/>
+          </a:p>
+        </p:txBody>
+      </p:sp>
+      <p:sp>
+        <p:nvSpPr>
+          <p:cNvPr id="6" name="Oval 5"/>
+          <p:cNvSpPr/>
+          <p:nvPr/>
+        </p:nvSpPr>
+        <p:spPr>
+          <a:xfrm>
+            <a:off x="381000" y="2209800"/>
+            <a:ext cx="1371600" cy="914400"/>
+          </a:xfrm>
+          <a:prstGeom prst="ellipse">
+            <a:avLst/>
+          </a:prstGeom>
+        </p:spPr>
+        <p:style>
+          <a:lnRef idx="2">
+            <a:schemeClr val="accent1">
+              <a:shade val="50000"/>
+            </a:schemeClr>
+          </a:lnRef>
+          <a:fillRef idx="1">
+            <a:schemeClr val="accent1"/>
+          </a:fillRef>
+          <a:effectRef idx="0">
+            <a:schemeClr val="accent1"/>
+          </a:effectRef>
+          <a:fontRef idx="minor">
+            <a:schemeClr val="lt1"/>
+          </a:fontRef>
+        </p:style>
+        <p:txBody>
+          <a:bodyPr rtlCol="0" anchor="ctr"/>
+          <a:lstStyle/>
+          <a:p>
+            <a:pPr algn="ctr"/>
+            <a:r>
+              <a:rPr lang="en-US" dirty="0" smtClean="0"/>
+              <a:t>0 Follow Path</a:t>
+            </a:r>
+            <a:endParaRPr lang="en-US" dirty="0"/>
+          </a:p>
+        </p:txBody>
+      </p:sp>
+      <p:sp>
+        <p:nvSpPr>
+          <p:cNvPr id="7" name="Oval 6"/>
+          <p:cNvSpPr/>
+          <p:nvPr/>
+        </p:nvSpPr>
+        <p:spPr>
+          <a:xfrm>
+            <a:off x="2971800" y="2362200"/>
+            <a:ext cx="990600" cy="609600"/>
+          </a:xfrm>
+          <a:prstGeom prst="ellipse">
+            <a:avLst/>
+          </a:prstGeom>
+        </p:spPr>
+        <p:style>
+          <a:lnRef idx="2">
+            <a:schemeClr val="accent1">
+              <a:shade val="50000"/>
+            </a:schemeClr>
+          </a:lnRef>
+          <a:fillRef idx="1">
+            <a:schemeClr val="accent1"/>
+          </a:fillRef>
+          <a:effectRef idx="0">
+            <a:schemeClr val="accent1"/>
+          </a:effectRef>
+          <a:fontRef idx="minor">
+            <a:schemeClr val="lt1"/>
+          </a:fontRef>
+        </p:style>
+        <p:txBody>
+          <a:bodyPr rtlCol="0" anchor="ctr"/>
+          <a:lstStyle/>
+          <a:p>
+            <a:pPr algn="ctr"/>
+            <a:r>
+              <a:rPr lang="en-US" dirty="0" smtClean="0"/>
+              <a:t>1 Ck IR</a:t>
+            </a:r>
+            <a:endParaRPr lang="en-US" dirty="0"/>
+          </a:p>
+        </p:txBody>
+      </p:sp>
+      <p:cxnSp>
+        <p:nvCxnSpPr>
+          <p:cNvPr id="9" name="Straight Arrow Connector 8"/>
+          <p:cNvCxnSpPr>
+            <a:stCxn id="6" idx="6"/>
+            <a:endCxn id="7" idx="2"/>
+          </p:cNvCxnSpPr>
+          <p:nvPr/>
+        </p:nvCxnSpPr>
+        <p:spPr>
+          <a:xfrm>
+            <a:off x="1752600" y="2667000"/>
+            <a:ext cx="1219200" cy="0"/>
+          </a:xfrm>
+          <a:prstGeom prst="straightConnector1">
+            <a:avLst/>
+          </a:prstGeom>
+          <a:ln>
+            <a:tailEnd type="arrow"/>
+          </a:ln>
+        </p:spPr>
+        <p:style>
+          <a:lnRef idx="1">
+            <a:schemeClr val="accent1"/>
+          </a:lnRef>
+          <a:fillRef idx="0">
+            <a:schemeClr val="accent1"/>
+          </a:fillRef>
+          <a:effectRef idx="0">
+            <a:schemeClr val="accent1"/>
+          </a:effectRef>
+          <a:fontRef idx="minor">
+            <a:schemeClr val="tx1"/>
+          </a:fontRef>
+        </p:style>
+      </p:cxnSp>
+      <p:sp>
+        <p:nvSpPr>
+          <p:cNvPr id="10" name="TextBox 9"/>
+          <p:cNvSpPr txBox="1"/>
+          <p:nvPr/>
+        </p:nvSpPr>
+        <p:spPr>
+          <a:xfrm>
+            <a:off x="1638837" y="2209800"/>
+            <a:ext cx="1477328" cy="369332"/>
+          </a:xfrm>
+          <a:prstGeom prst="rect">
+            <a:avLst/>
+          </a:prstGeom>
+          <a:noFill/>
+        </p:spPr>
+        <p:txBody>
+          <a:bodyPr wrap="none" rtlCol="0">
+            <a:spAutoFit/>
+          </a:bodyPr>
+          <a:lstStyle/>
+          <a:p>
+            <a:r>
+              <a:rPr lang="en-US" dirty="0" err="1" smtClean="0"/>
+              <a:t>distInches</a:t>
+            </a:r>
+            <a:r>
+              <a:rPr lang="en-US" dirty="0" smtClean="0"/>
+              <a:t>&gt;48</a:t>
+            </a:r>
+            <a:endParaRPr lang="en-US" dirty="0"/>
+          </a:p>
+        </p:txBody>
+      </p:sp>
+      <p:sp>
+        <p:nvSpPr>
+          <p:cNvPr id="11" name="Oval 10"/>
+          <p:cNvSpPr/>
+          <p:nvPr/>
+        </p:nvSpPr>
+        <p:spPr>
+          <a:xfrm>
+            <a:off x="5943600" y="2362200"/>
+            <a:ext cx="990600" cy="609600"/>
+          </a:xfrm>
+          <a:prstGeom prst="ellipse">
+            <a:avLst/>
+          </a:prstGeom>
+        </p:spPr>
+        <p:style>
+          <a:lnRef idx="2">
+            <a:schemeClr val="accent1">
+              <a:shade val="50000"/>
+            </a:schemeClr>
+          </a:lnRef>
+          <a:fillRef idx="1">
+            <a:schemeClr val="accent1"/>
+          </a:fillRef>
+          <a:effectRef idx="0">
+            <a:schemeClr val="accent1"/>
+          </a:effectRef>
+          <a:fontRef idx="minor">
+            <a:schemeClr val="lt1"/>
+          </a:fontRef>
+        </p:style>
+        <p:txBody>
+          <a:bodyPr rtlCol="0" anchor="ctr"/>
+          <a:lstStyle/>
+          <a:p>
+            <a:pPr algn="ctr"/>
+            <a:r>
+              <a:rPr lang="en-US" dirty="0" smtClean="0"/>
+              <a:t>7 Flip Box</a:t>
+            </a:r>
+          </a:p>
+        </p:txBody>
+      </p:sp>
+      <p:cxnSp>
+        <p:nvCxnSpPr>
+          <p:cNvPr id="12" name="Straight Arrow Connector 11"/>
+          <p:cNvCxnSpPr>
+            <a:stCxn id="7" idx="6"/>
+            <a:endCxn id="11" idx="2"/>
+          </p:cNvCxnSpPr>
+          <p:nvPr/>
+        </p:nvCxnSpPr>
+        <p:spPr>
+          <a:xfrm>
+            <a:off x="3962400" y="2667000"/>
+            <a:ext cx="1981200" cy="0"/>
+          </a:xfrm>
+          <a:prstGeom prst="straightConnector1">
+            <a:avLst/>
+          </a:prstGeom>
+          <a:ln>
+            <a:tailEnd type="arrow"/>
+          </a:ln>
+        </p:spPr>
+        <p:style>
+          <a:lnRef idx="1">
+            <a:schemeClr val="accent1"/>
+          </a:lnRef>
+          <a:fillRef idx="0">
+            <a:schemeClr val="accent1"/>
+          </a:fillRef>
+          <a:effectRef idx="0">
+            <a:schemeClr val="accent1"/>
+          </a:effectRef>
+          <a:fontRef idx="minor">
+            <a:schemeClr val="tx1"/>
+          </a:fontRef>
+        </p:style>
+      </p:cxnSp>
+      <p:sp>
+        <p:nvSpPr>
+          <p:cNvPr id="15" name="TextBox 14"/>
+          <p:cNvSpPr txBox="1"/>
+          <p:nvPr/>
+        </p:nvSpPr>
+        <p:spPr>
+          <a:xfrm>
+            <a:off x="4495800" y="2362200"/>
+            <a:ext cx="628762" cy="369332"/>
+          </a:xfrm>
+          <a:prstGeom prst="rect">
+            <a:avLst/>
+          </a:prstGeom>
+          <a:noFill/>
+        </p:spPr>
+        <p:txBody>
+          <a:bodyPr wrap="none" rtlCol="0">
+            <a:spAutoFit/>
+          </a:bodyPr>
+          <a:lstStyle/>
+          <a:p>
+            <a:r>
+              <a:rPr lang="en-US" dirty="0" err="1" smtClean="0"/>
+              <a:t>IRval</a:t>
+            </a:r>
+            <a:endParaRPr lang="en-US" dirty="0"/>
+          </a:p>
+        </p:txBody>
+      </p:sp>
+      <p:sp>
+        <p:nvSpPr>
+          <p:cNvPr id="16" name="Oval 15"/>
+          <p:cNvSpPr/>
+          <p:nvPr/>
+        </p:nvSpPr>
+        <p:spPr>
+          <a:xfrm>
+            <a:off x="381000" y="3352800"/>
+            <a:ext cx="1447800" cy="762000"/>
+          </a:xfrm>
+          <a:prstGeom prst="ellipse">
+            <a:avLst/>
+          </a:prstGeom>
+        </p:spPr>
+        <p:style>
+          <a:lnRef idx="2">
+            <a:schemeClr val="accent1">
+              <a:shade val="50000"/>
+            </a:schemeClr>
+          </a:lnRef>
+          <a:fillRef idx="1">
+            <a:schemeClr val="accent1"/>
+          </a:fillRef>
+          <a:effectRef idx="0">
+            <a:schemeClr val="accent1"/>
+          </a:effectRef>
+          <a:fontRef idx="minor">
+            <a:schemeClr val="lt1"/>
+          </a:fontRef>
+        </p:style>
+        <p:txBody>
+          <a:bodyPr rtlCol="0" anchor="ctr"/>
+          <a:lstStyle/>
+          <a:p>
+            <a:pPr algn="ctr"/>
+            <a:r>
+              <a:rPr lang="en-US" dirty="0" smtClean="0"/>
+              <a:t>2 Follow Path</a:t>
+            </a:r>
+            <a:endParaRPr lang="en-US" dirty="0"/>
+          </a:p>
+        </p:txBody>
+      </p:sp>
+      <p:cxnSp>
+        <p:nvCxnSpPr>
+          <p:cNvPr id="17" name="Straight Arrow Connector 16"/>
+          <p:cNvCxnSpPr>
+            <a:stCxn id="7" idx="3"/>
+            <a:endCxn id="16" idx="7"/>
+          </p:cNvCxnSpPr>
+          <p:nvPr/>
+        </p:nvCxnSpPr>
+        <p:spPr>
+          <a:xfrm flipH="1">
+            <a:off x="1616774" y="2882526"/>
+            <a:ext cx="1500096" cy="581866"/>
+          </a:xfrm>
+          <a:prstGeom prst="straightConnector1">
+            <a:avLst/>
+          </a:prstGeom>
+          <a:ln>
+            <a:tailEnd type="arrow"/>
+          </a:ln>
+        </p:spPr>
+        <p:style>
+          <a:lnRef idx="1">
+            <a:schemeClr val="accent1"/>
+          </a:lnRef>
+          <a:fillRef idx="0">
+            <a:schemeClr val="accent1"/>
+          </a:fillRef>
+          <a:effectRef idx="0">
+            <a:schemeClr val="accent1"/>
+          </a:effectRef>
+          <a:fontRef idx="minor">
+            <a:schemeClr val="tx1"/>
+          </a:fontRef>
+        </p:style>
+      </p:cxnSp>
+      <p:sp>
+        <p:nvSpPr>
+          <p:cNvPr id="20" name="TextBox 19"/>
+          <p:cNvSpPr txBox="1"/>
+          <p:nvPr/>
+        </p:nvSpPr>
+        <p:spPr>
+          <a:xfrm>
+            <a:off x="2057400" y="3124200"/>
+            <a:ext cx="1089016" cy="369332"/>
+          </a:xfrm>
+          <a:prstGeom prst="rect">
+            <a:avLst/>
+          </a:prstGeom>
+          <a:noFill/>
+        </p:spPr>
+        <p:txBody>
+          <a:bodyPr wrap="none" rtlCol="0">
+            <a:spAutoFit/>
+          </a:bodyPr>
+          <a:lstStyle/>
+          <a:p>
+            <a:r>
+              <a:rPr lang="en-US" dirty="0" smtClean="0"/>
+              <a:t>NOT </a:t>
+            </a:r>
+            <a:r>
+              <a:rPr lang="en-US" dirty="0" err="1" smtClean="0"/>
+              <a:t>IRval</a:t>
+            </a:r>
+            <a:endParaRPr lang="en-US" dirty="0"/>
+          </a:p>
+        </p:txBody>
+      </p:sp>
+      <p:sp>
+        <p:nvSpPr>
+          <p:cNvPr id="38" name="Oval 37"/>
+          <p:cNvSpPr/>
+          <p:nvPr/>
+        </p:nvSpPr>
+        <p:spPr>
+          <a:xfrm>
+            <a:off x="2971800" y="3429000"/>
+            <a:ext cx="990600" cy="609600"/>
+          </a:xfrm>
+          <a:prstGeom prst="ellipse">
+            <a:avLst/>
+          </a:prstGeom>
+        </p:spPr>
+        <p:style>
+          <a:lnRef idx="2">
+            <a:schemeClr val="accent1">
+              <a:shade val="50000"/>
+            </a:schemeClr>
+          </a:lnRef>
+          <a:fillRef idx="1">
+            <a:schemeClr val="accent1"/>
+          </a:fillRef>
+          <a:effectRef idx="0">
+            <a:schemeClr val="accent1"/>
+          </a:effectRef>
+          <a:fontRef idx="minor">
+            <a:schemeClr val="lt1"/>
+          </a:fontRef>
+        </p:style>
+        <p:txBody>
+          <a:bodyPr rtlCol="0" anchor="ctr"/>
+          <a:lstStyle/>
+          <a:p>
+            <a:pPr algn="ctr"/>
+            <a:r>
+              <a:rPr lang="en-US" dirty="0" smtClean="0"/>
+              <a:t>3 Ck IR</a:t>
+            </a:r>
+            <a:endParaRPr lang="en-US" dirty="0"/>
+          </a:p>
+        </p:txBody>
+      </p:sp>
+      <p:cxnSp>
+        <p:nvCxnSpPr>
+          <p:cNvPr id="39" name="Straight Arrow Connector 38"/>
+          <p:cNvCxnSpPr>
+            <a:stCxn id="16" idx="6"/>
+            <a:endCxn id="38" idx="2"/>
+          </p:cNvCxnSpPr>
+          <p:nvPr/>
+        </p:nvCxnSpPr>
+        <p:spPr>
+          <a:xfrm>
+            <a:off x="1828800" y="3733800"/>
+            <a:ext cx="1143000" cy="0"/>
+          </a:xfrm>
+          <a:prstGeom prst="straightConnector1">
+            <a:avLst/>
+          </a:prstGeom>
+          <a:ln>
+            <a:tailEnd type="arrow"/>
+          </a:ln>
+        </p:spPr>
+        <p:style>
+          <a:lnRef idx="1">
+            <a:schemeClr val="accent1"/>
+          </a:lnRef>
+          <a:fillRef idx="0">
+            <a:schemeClr val="accent1"/>
+          </a:fillRef>
+          <a:effectRef idx="0">
+            <a:schemeClr val="accent1"/>
+          </a:effectRef>
+          <a:fontRef idx="minor">
+            <a:schemeClr val="tx1"/>
+          </a:fontRef>
+        </p:style>
+      </p:cxnSp>
+      <p:sp>
+        <p:nvSpPr>
+          <p:cNvPr id="43" name="TextBox 42"/>
+          <p:cNvSpPr txBox="1"/>
+          <p:nvPr/>
+        </p:nvSpPr>
+        <p:spPr>
+          <a:xfrm>
+            <a:off x="1676400" y="3810000"/>
+            <a:ext cx="1477328" cy="369332"/>
+          </a:xfrm>
+          <a:prstGeom prst="rect">
+            <a:avLst/>
+          </a:prstGeom>
+          <a:noFill/>
+        </p:spPr>
+        <p:txBody>
+          <a:bodyPr wrap="none" rtlCol="0">
+            <a:spAutoFit/>
+          </a:bodyPr>
+          <a:lstStyle/>
+          <a:p>
+            <a:r>
+              <a:rPr lang="en-US" dirty="0" err="1" smtClean="0"/>
+              <a:t>distInches</a:t>
+            </a:r>
+            <a:r>
+              <a:rPr lang="en-US" dirty="0" smtClean="0"/>
+              <a:t>&gt;55</a:t>
+            </a:r>
+            <a:endParaRPr lang="en-US" dirty="0"/>
+          </a:p>
+        </p:txBody>
+      </p:sp>
+      <p:cxnSp>
+        <p:nvCxnSpPr>
+          <p:cNvPr id="46" name="Straight Arrow Connector 45"/>
+          <p:cNvCxnSpPr>
+            <a:stCxn id="38" idx="6"/>
+            <a:endCxn id="11" idx="2"/>
+          </p:cNvCxnSpPr>
+          <p:nvPr/>
+        </p:nvCxnSpPr>
+        <p:spPr>
+          <a:xfrm flipV="1">
+            <a:off x="3962400" y="2667000"/>
+            <a:ext cx="1981200" cy="1066800"/>
+          </a:xfrm>
+          <a:prstGeom prst="straightConnector1">
+            <a:avLst/>
+          </a:prstGeom>
+          <a:ln>
+            <a:tailEnd type="arrow"/>
+          </a:ln>
+        </p:spPr>
+        <p:style>
+          <a:lnRef idx="1">
+            <a:schemeClr val="accent1"/>
+          </a:lnRef>
+          <a:fillRef idx="0">
+            <a:schemeClr val="accent1"/>
+          </a:fillRef>
+          <a:effectRef idx="0">
+            <a:schemeClr val="accent1"/>
+          </a:effectRef>
+          <a:fontRef idx="minor">
+            <a:schemeClr val="tx1"/>
+          </a:fontRef>
+        </p:style>
+      </p:cxnSp>
+      <p:sp>
+        <p:nvSpPr>
+          <p:cNvPr id="49" name="TextBox 48"/>
+          <p:cNvSpPr txBox="1"/>
+          <p:nvPr/>
+        </p:nvSpPr>
+        <p:spPr>
+          <a:xfrm>
+            <a:off x="4419600" y="3048000"/>
+            <a:ext cx="628762" cy="369332"/>
+          </a:xfrm>
+          <a:prstGeom prst="rect">
+            <a:avLst/>
+          </a:prstGeom>
+          <a:noFill/>
+        </p:spPr>
+        <p:txBody>
+          <a:bodyPr wrap="none" rtlCol="0">
+            <a:spAutoFit/>
+          </a:bodyPr>
+          <a:lstStyle/>
+          <a:p>
+            <a:r>
+              <a:rPr lang="en-US" dirty="0" err="1" smtClean="0"/>
+              <a:t>IRval</a:t>
+            </a:r>
+            <a:endParaRPr lang="en-US" dirty="0"/>
+          </a:p>
+        </p:txBody>
+      </p:sp>
+      <p:sp>
+        <p:nvSpPr>
+          <p:cNvPr id="50" name="Oval 49"/>
+          <p:cNvSpPr/>
+          <p:nvPr/>
+        </p:nvSpPr>
+        <p:spPr>
+          <a:xfrm>
+            <a:off x="381000" y="4648200"/>
+            <a:ext cx="1447800" cy="838200"/>
+          </a:xfrm>
+          <a:prstGeom prst="ellipse">
+            <a:avLst/>
+          </a:prstGeom>
+        </p:spPr>
+        <p:style>
+          <a:lnRef idx="2">
+            <a:schemeClr val="accent1">
+              <a:shade val="50000"/>
+            </a:schemeClr>
+          </a:lnRef>
+          <a:fillRef idx="1">
+            <a:schemeClr val="accent1"/>
+          </a:fillRef>
+          <a:effectRef idx="0">
+            <a:schemeClr val="accent1"/>
+          </a:effectRef>
+          <a:fontRef idx="minor">
+            <a:schemeClr val="lt1"/>
+          </a:fontRef>
+        </p:style>
+        <p:txBody>
+          <a:bodyPr rtlCol="0" anchor="ctr"/>
+          <a:lstStyle/>
+          <a:p>
+            <a:pPr algn="ctr"/>
+            <a:r>
+              <a:rPr lang="en-US" dirty="0" smtClean="0"/>
+              <a:t>4 Follow Path</a:t>
+            </a:r>
+            <a:endParaRPr lang="en-US" dirty="0"/>
+          </a:p>
+        </p:txBody>
+      </p:sp>
+      <p:sp>
+        <p:nvSpPr>
+          <p:cNvPr id="51" name="TextBox 50"/>
+          <p:cNvSpPr txBox="1"/>
+          <p:nvPr/>
+        </p:nvSpPr>
+        <p:spPr>
+          <a:xfrm>
+            <a:off x="1752600" y="4953000"/>
+            <a:ext cx="1477328" cy="369332"/>
+          </a:xfrm>
+          <a:prstGeom prst="rect">
+            <a:avLst/>
+          </a:prstGeom>
+          <a:noFill/>
+        </p:spPr>
+        <p:txBody>
+          <a:bodyPr wrap="none" rtlCol="0">
+            <a:spAutoFit/>
+          </a:bodyPr>
+          <a:lstStyle/>
+          <a:p>
+            <a:r>
+              <a:rPr lang="en-US" dirty="0" err="1" smtClean="0"/>
+              <a:t>distInches</a:t>
+            </a:r>
+            <a:r>
+              <a:rPr lang="en-US" dirty="0" smtClean="0"/>
+              <a:t>&gt;74</a:t>
+            </a:r>
+            <a:endParaRPr lang="en-US" dirty="0"/>
+          </a:p>
+        </p:txBody>
+      </p:sp>
+      <p:sp>
+        <p:nvSpPr>
+          <p:cNvPr id="52" name="Oval 51"/>
+          <p:cNvSpPr/>
+          <p:nvPr/>
+        </p:nvSpPr>
+        <p:spPr>
+          <a:xfrm>
+            <a:off x="3048000" y="4648200"/>
+            <a:ext cx="990600" cy="609600"/>
+          </a:xfrm>
+          <a:prstGeom prst="ellipse">
+            <a:avLst/>
+          </a:prstGeom>
+        </p:spPr>
+        <p:style>
+          <a:lnRef idx="2">
+            <a:schemeClr val="accent1">
+              <a:shade val="50000"/>
+            </a:schemeClr>
+          </a:lnRef>
+          <a:fillRef idx="1">
+            <a:schemeClr val="accent1"/>
+          </a:fillRef>
+          <a:effectRef idx="0">
+            <a:schemeClr val="accent1"/>
+          </a:effectRef>
+          <a:fontRef idx="minor">
+            <a:schemeClr val="lt1"/>
+          </a:fontRef>
+        </p:style>
+        <p:txBody>
+          <a:bodyPr rtlCol="0" anchor="ctr"/>
+          <a:lstStyle/>
+          <a:p>
+            <a:pPr algn="ctr"/>
+            <a:r>
+              <a:rPr lang="en-US" dirty="0" smtClean="0"/>
+              <a:t>5 Ck IR</a:t>
+            </a:r>
+            <a:endParaRPr lang="en-US" dirty="0"/>
+          </a:p>
+        </p:txBody>
+      </p:sp>
+      <p:cxnSp>
+        <p:nvCxnSpPr>
+          <p:cNvPr id="53" name="Straight Arrow Connector 52"/>
+          <p:cNvCxnSpPr>
+            <a:stCxn id="50" idx="6"/>
+            <a:endCxn id="52" idx="2"/>
+          </p:cNvCxnSpPr>
+          <p:nvPr/>
+        </p:nvCxnSpPr>
+        <p:spPr>
+          <a:xfrm flipV="1">
+            <a:off x="1828800" y="4953000"/>
+            <a:ext cx="1219200" cy="114300"/>
+          </a:xfrm>
+          <a:prstGeom prst="straightConnector1">
+            <a:avLst/>
+          </a:prstGeom>
+          <a:ln>
+            <a:tailEnd type="arrow"/>
+          </a:ln>
+        </p:spPr>
+        <p:style>
+          <a:lnRef idx="1">
+            <a:schemeClr val="accent1"/>
+          </a:lnRef>
+          <a:fillRef idx="0">
+            <a:schemeClr val="accent1"/>
+          </a:fillRef>
+          <a:effectRef idx="0">
+            <a:schemeClr val="accent1"/>
+          </a:effectRef>
+          <a:fontRef idx="minor">
+            <a:schemeClr val="tx1"/>
+          </a:fontRef>
+        </p:style>
+      </p:cxnSp>
+      <p:cxnSp>
+        <p:nvCxnSpPr>
+          <p:cNvPr id="56" name="Straight Arrow Connector 55"/>
+          <p:cNvCxnSpPr>
+            <a:stCxn id="43" idx="3"/>
+            <a:endCxn id="50" idx="7"/>
+          </p:cNvCxnSpPr>
+          <p:nvPr/>
+        </p:nvCxnSpPr>
+        <p:spPr>
+          <a:xfrm flipH="1">
+            <a:off x="1616774" y="3994666"/>
+            <a:ext cx="1536954" cy="776285"/>
+          </a:xfrm>
+          <a:prstGeom prst="straightConnector1">
+            <a:avLst/>
+          </a:prstGeom>
+          <a:ln>
+            <a:tailEnd type="arrow"/>
+          </a:ln>
+        </p:spPr>
+        <p:style>
+          <a:lnRef idx="1">
+            <a:schemeClr val="accent1"/>
+          </a:lnRef>
+          <a:fillRef idx="0">
+            <a:schemeClr val="accent1"/>
+          </a:fillRef>
+          <a:effectRef idx="0">
+            <a:schemeClr val="accent1"/>
+          </a:effectRef>
+          <a:fontRef idx="minor">
+            <a:schemeClr val="tx1"/>
+          </a:fontRef>
+        </p:style>
+      </p:cxnSp>
+      <p:sp>
+        <p:nvSpPr>
+          <p:cNvPr id="59" name="TextBox 58"/>
+          <p:cNvSpPr txBox="1"/>
+          <p:nvPr/>
+        </p:nvSpPr>
+        <p:spPr>
+          <a:xfrm>
+            <a:off x="1828800" y="4267200"/>
+            <a:ext cx="1089016" cy="369332"/>
+          </a:xfrm>
+          <a:prstGeom prst="rect">
+            <a:avLst/>
+          </a:prstGeom>
+          <a:noFill/>
+        </p:spPr>
+        <p:txBody>
+          <a:bodyPr wrap="none" rtlCol="0">
+            <a:spAutoFit/>
+          </a:bodyPr>
+          <a:lstStyle/>
+          <a:p>
+            <a:r>
+              <a:rPr lang="en-US" dirty="0" smtClean="0"/>
+              <a:t>NOT </a:t>
+            </a:r>
+            <a:r>
+              <a:rPr lang="en-US" dirty="0" err="1" smtClean="0"/>
+              <a:t>IRval</a:t>
+            </a:r>
+            <a:endParaRPr lang="en-US" dirty="0"/>
+          </a:p>
+        </p:txBody>
+      </p:sp>
       <p:cxnSp>
         <p:nvCxnSpPr>
           <p:cNvPr id="62" name="Straight Arrow Connector 61"/>
@@ -4070,7 +5582,80 @@
           </a:p>
         </p:txBody>
       </p:sp>
+      <p:sp>
+        <p:nvSpPr>
+          <p:cNvPr id="30" name="TextBox 29"/>
+          <p:cNvSpPr txBox="1"/>
+          <p:nvPr/>
+        </p:nvSpPr>
+        <p:spPr>
+          <a:xfrm>
+            <a:off x="3023561" y="1870381"/>
+            <a:ext cx="915764" cy="369332"/>
+          </a:xfrm>
+          <a:prstGeom prst="rect">
+            <a:avLst/>
+          </a:prstGeom>
+          <a:noFill/>
+        </p:spPr>
+        <p:txBody>
+          <a:bodyPr wrap="none" rtlCol="0">
+            <a:spAutoFit/>
+          </a:bodyPr>
+          <a:lstStyle/>
+          <a:p>
+            <a:r>
+              <a:rPr lang="en-US" dirty="0" err="1" smtClean="0"/>
+              <a:t>Svo</a:t>
+            </a:r>
+            <a:r>
+              <a:rPr lang="en-US" dirty="0" smtClean="0"/>
+              <a:t> Out</a:t>
+            </a:r>
+            <a:endParaRPr lang="en-US" dirty="0"/>
+          </a:p>
+        </p:txBody>
+      </p:sp>
+      <p:sp>
+        <p:nvSpPr>
+          <p:cNvPr id="31" name="TextBox 30"/>
+          <p:cNvSpPr txBox="1"/>
+          <p:nvPr/>
+        </p:nvSpPr>
+        <p:spPr>
+          <a:xfrm>
+            <a:off x="608918" y="4368142"/>
+            <a:ext cx="792333" cy="369332"/>
+          </a:xfrm>
+          <a:prstGeom prst="rect">
+            <a:avLst/>
+          </a:prstGeom>
+          <a:noFill/>
+        </p:spPr>
+        <p:txBody>
+          <a:bodyPr wrap="none" rtlCol="0">
+            <a:spAutoFit/>
+          </a:bodyPr>
+          <a:lstStyle/>
+          <a:p>
+            <a:r>
+              <a:rPr lang="en-US" dirty="0" err="1" smtClean="0"/>
+              <a:t>Svo</a:t>
+            </a:r>
+            <a:r>
+              <a:rPr lang="en-US" dirty="0" smtClean="0"/>
+              <a:t> in </a:t>
+            </a:r>
+            <a:endParaRPr lang="en-US" dirty="0"/>
+          </a:p>
+        </p:txBody>
+      </p:sp>
     </p:spTree>
+    <p:extLst>
+      <p:ext uri="{BB962C8B-B14F-4D97-AF65-F5344CB8AC3E}">
+        <p14:creationId xmlns:p14="http://schemas.microsoft.com/office/powerpoint/2010/main" val="2746374281"/>
+      </p:ext>
+    </p:extLst>
   </p:cSld>
   <p:clrMapOvr>
     <a:masterClrMapping/>

--- a/regional test code/StateMachines.pptx
+++ b/regional test code/StateMachines.pptx
@@ -5,8 +5,8 @@
     <p:sldMasterId id="2147483648" r:id="rId1"/>
   </p:sldMasterIdLst>
   <p:sldIdLst>
-    <p:sldId id="256" r:id="rId2"/>
-    <p:sldId id="258" r:id="rId3"/>
+    <p:sldId id="258" r:id="rId2"/>
+    <p:sldId id="256" r:id="rId3"/>
   </p:sldIdLst>
   <p:sldSz cx="9144000" cy="6858000" type="screen4x3"/>
   <p:notesSz cx="6858000" cy="9144000"/>
@@ -3225,8 +3225,8 @@
         </p:nvSpPr>
         <p:spPr>
           <a:xfrm>
-            <a:off x="7768649" y="2268102"/>
-            <a:ext cx="1108651" cy="768230"/>
+            <a:off x="5943600" y="2362200"/>
+            <a:ext cx="990600" cy="609600"/>
           </a:xfrm>
           <a:prstGeom prst="ellipse">
             <a:avLst/>
@@ -3255,11 +3255,7 @@
             <a:pPr algn="ctr"/>
             <a:r>
               <a:rPr lang="en-US" dirty="0" smtClean="0"/>
-              <a:t> 10 Flip </a:t>
-            </a:r>
-            <a:r>
-              <a:rPr lang="en-US" dirty="0" smtClean="0"/>
-              <a:t>Box</a:t>
+              <a:t>7 Flip Box</a:t>
             </a:r>
           </a:p>
         </p:txBody>
@@ -3274,9 +3270,9 @@
           <p:nvPr/>
         </p:nvCxnSpPr>
         <p:spPr>
-          <a:xfrm flipV="1">
-            <a:off x="3962400" y="2652217"/>
-            <a:ext cx="3806249" cy="14783"/>
+          <a:xfrm>
+            <a:off x="3962400" y="2667000"/>
+            <a:ext cx="1981200" cy="0"/>
           </a:xfrm>
           <a:prstGeom prst="straightConnector1">
             <a:avLst/>
@@ -3308,7 +3304,7 @@
         </p:nvSpPr>
         <p:spPr>
           <a:xfrm>
-            <a:off x="4181419" y="2362200"/>
+            <a:off x="4495800" y="2362200"/>
             <a:ext cx="628762" cy="369332"/>
           </a:xfrm>
           <a:prstGeom prst="rect">
@@ -3563,14 +3559,14 @@
           <p:cNvPr id="46" name="Straight Arrow Connector 45"/>
           <p:cNvCxnSpPr>
             <a:stCxn id="38" idx="6"/>
-            <a:endCxn id="41" idx="2"/>
+            <a:endCxn id="11" idx="2"/>
           </p:cNvCxnSpPr>
           <p:nvPr/>
         </p:nvCxnSpPr>
         <p:spPr>
-          <a:xfrm>
-            <a:off x="3962400" y="3733800"/>
-            <a:ext cx="1314450" cy="17898"/>
+          <a:xfrm flipV="1">
+            <a:off x="3962400" y="2667000"/>
+            <a:ext cx="1981200" cy="1066800"/>
           </a:xfrm>
           <a:prstGeom prst="straightConnector1">
             <a:avLst/>
@@ -3852,6 +3848,42 @@
           </a:p>
         </p:txBody>
       </p:sp>
+      <p:cxnSp>
+        <p:nvCxnSpPr>
+          <p:cNvPr id="62" name="Straight Arrow Connector 61"/>
+          <p:cNvCxnSpPr>
+            <a:stCxn id="52" idx="7"/>
+            <a:endCxn id="11" idx="3"/>
+          </p:cNvCxnSpPr>
+          <p:nvPr/>
+        </p:nvCxnSpPr>
+        <p:spPr>
+          <a:xfrm flipV="1">
+            <a:off x="3893530" y="2882526"/>
+            <a:ext cx="2195140" cy="1854948"/>
+          </a:xfrm>
+          <a:prstGeom prst="straightConnector1">
+            <a:avLst/>
+          </a:prstGeom>
+          <a:ln>
+            <a:tailEnd type="arrow"/>
+          </a:ln>
+        </p:spPr>
+        <p:style>
+          <a:lnRef idx="1">
+            <a:schemeClr val="accent1"/>
+          </a:lnRef>
+          <a:fillRef idx="0">
+            <a:schemeClr val="accent1"/>
+          </a:fillRef>
+          <a:effectRef idx="0">
+            <a:schemeClr val="accent1"/>
+          </a:effectRef>
+          <a:fontRef idx="minor">
+            <a:schemeClr val="tx1"/>
+          </a:fontRef>
+        </p:style>
+      </p:cxnSp>
       <p:sp>
         <p:nvSpPr>
           <p:cNvPr id="65" name="TextBox 64"/>
@@ -3860,7 +3892,7 @@
         </p:nvSpPr>
         <p:spPr>
           <a:xfrm>
-            <a:off x="4242783" y="4415445"/>
+            <a:off x="4419600" y="4038600"/>
             <a:ext cx="628762" cy="369332"/>
           </a:xfrm>
           <a:prstGeom prst="rect">
@@ -4004,8 +4036,8 @@
         </p:nvSpPr>
         <p:spPr>
           <a:xfrm>
-            <a:off x="7967730" y="3920960"/>
-            <a:ext cx="1135670" cy="958334"/>
+            <a:off x="5943600" y="3657600"/>
+            <a:ext cx="990600" cy="609600"/>
           </a:xfrm>
           <a:prstGeom prst="ellipse">
             <a:avLst/>
@@ -4034,9 +4066,8 @@
             <a:pPr algn="ctr"/>
             <a:r>
               <a:rPr lang="en-US" dirty="0" smtClean="0"/>
-              <a:t>11 Follow path</a:t>
-            </a:r>
-            <a:endParaRPr lang="en-US" dirty="0" smtClean="0"/>
+              <a:t>8</a:t>
+            </a:r>
           </a:p>
         </p:txBody>
       </p:sp>
@@ -4108,421 +4139,12 @@
           </a:p>
         </p:txBody>
       </p:sp>
-      <p:sp>
-        <p:nvSpPr>
-          <p:cNvPr id="2" name="Oval 1"/>
-          <p:cNvSpPr/>
-          <p:nvPr/>
-        </p:nvSpPr>
-        <p:spPr>
-          <a:xfrm>
-            <a:off x="5048362" y="2268102"/>
-            <a:ext cx="1295399" cy="797795"/>
-          </a:xfrm>
-          <a:prstGeom prst="ellipse">
-            <a:avLst/>
-          </a:prstGeom>
-        </p:spPr>
-        <p:style>
-          <a:lnRef idx="2">
-            <a:schemeClr val="accent1">
-              <a:shade val="50000"/>
-            </a:schemeClr>
-          </a:lnRef>
-          <a:fillRef idx="1">
-            <a:schemeClr val="accent1"/>
-          </a:fillRef>
-          <a:effectRef idx="0">
-            <a:schemeClr val="accent1"/>
-          </a:effectRef>
-          <a:fontRef idx="minor">
-            <a:schemeClr val="lt1"/>
-          </a:fontRef>
-        </p:style>
-        <p:txBody>
-          <a:bodyPr rtlCol="0" anchor="ctr"/>
-          <a:lstStyle/>
-          <a:p>
-            <a:pPr algn="ctr"/>
-            <a:r>
-              <a:rPr lang="en-US" dirty="0" smtClean="0"/>
-              <a:t>7 follow path</a:t>
-            </a:r>
-            <a:endParaRPr lang="en-US" dirty="0"/>
-          </a:p>
-        </p:txBody>
-      </p:sp>
-      <p:sp>
-        <p:nvSpPr>
-          <p:cNvPr id="40" name="TextBox 39"/>
-          <p:cNvSpPr txBox="1"/>
-          <p:nvPr/>
-        </p:nvSpPr>
-        <p:spPr>
-          <a:xfrm>
-            <a:off x="6409372" y="2215166"/>
-            <a:ext cx="1350691" cy="369332"/>
-          </a:xfrm>
-          <a:prstGeom prst="rect">
-            <a:avLst/>
-          </a:prstGeom>
-          <a:noFill/>
-        </p:spPr>
-        <p:txBody>
-          <a:bodyPr wrap="none" rtlCol="0">
-            <a:spAutoFit/>
-          </a:bodyPr>
-          <a:lstStyle/>
-          <a:p>
-            <a:r>
-              <a:rPr lang="en-US" dirty="0" err="1" smtClean="0"/>
-              <a:t>distInches</a:t>
-            </a:r>
-            <a:r>
-              <a:rPr lang="en-US" dirty="0" smtClean="0"/>
-              <a:t>&gt;?</a:t>
-            </a:r>
-            <a:endParaRPr lang="en-US" dirty="0"/>
-          </a:p>
-        </p:txBody>
-      </p:sp>
-      <p:sp>
-        <p:nvSpPr>
-          <p:cNvPr id="41" name="Oval 40"/>
-          <p:cNvSpPr/>
-          <p:nvPr/>
-        </p:nvSpPr>
-        <p:spPr>
-          <a:xfrm>
-            <a:off x="5276850" y="3352800"/>
-            <a:ext cx="1295399" cy="797795"/>
-          </a:xfrm>
-          <a:prstGeom prst="ellipse">
-            <a:avLst/>
-          </a:prstGeom>
-        </p:spPr>
-        <p:style>
-          <a:lnRef idx="2">
-            <a:schemeClr val="accent1">
-              <a:shade val="50000"/>
-            </a:schemeClr>
-          </a:lnRef>
-          <a:fillRef idx="1">
-            <a:schemeClr val="accent1"/>
-          </a:fillRef>
-          <a:effectRef idx="0">
-            <a:schemeClr val="accent1"/>
-          </a:effectRef>
-          <a:fontRef idx="minor">
-            <a:schemeClr val="lt1"/>
-          </a:fontRef>
-        </p:style>
-        <p:txBody>
-          <a:bodyPr rtlCol="0" anchor="ctr"/>
-          <a:lstStyle/>
-          <a:p>
-            <a:pPr algn="ctr"/>
-            <a:r>
-              <a:rPr lang="en-US" dirty="0" smtClean="0"/>
-              <a:t>8 follow path</a:t>
-            </a:r>
-            <a:endParaRPr lang="en-US" dirty="0"/>
-          </a:p>
-        </p:txBody>
-      </p:sp>
-      <p:cxnSp>
-        <p:nvCxnSpPr>
-          <p:cNvPr id="26" name="Straight Arrow Connector 25"/>
-          <p:cNvCxnSpPr>
-            <a:stCxn id="41" idx="6"/>
-            <a:endCxn id="11" idx="3"/>
-          </p:cNvCxnSpPr>
-          <p:nvPr/>
-        </p:nvCxnSpPr>
-        <p:spPr>
-          <a:xfrm flipV="1">
-            <a:off x="6572249" y="2923827"/>
-            <a:ext cx="1358758" cy="827871"/>
-          </a:xfrm>
-          <a:prstGeom prst="straightConnector1">
-            <a:avLst/>
-          </a:prstGeom>
-          <a:ln>
-            <a:tailEnd type="arrow"/>
-          </a:ln>
-        </p:spPr>
-        <p:style>
-          <a:lnRef idx="1">
-            <a:schemeClr val="accent1"/>
-          </a:lnRef>
-          <a:fillRef idx="0">
-            <a:schemeClr val="accent1"/>
-          </a:fillRef>
-          <a:effectRef idx="0">
-            <a:schemeClr val="accent1"/>
-          </a:effectRef>
-          <a:fontRef idx="minor">
-            <a:schemeClr val="tx1"/>
-          </a:fontRef>
-        </p:style>
-      </p:cxnSp>
-      <p:sp>
-        <p:nvSpPr>
-          <p:cNvPr id="48" name="Oval 47"/>
-          <p:cNvSpPr/>
-          <p:nvPr/>
-        </p:nvSpPr>
-        <p:spPr>
-          <a:xfrm>
-            <a:off x="5048361" y="4480397"/>
-            <a:ext cx="1295399" cy="797795"/>
-          </a:xfrm>
-          <a:prstGeom prst="ellipse">
-            <a:avLst/>
-          </a:prstGeom>
-        </p:spPr>
-        <p:style>
-          <a:lnRef idx="2">
-            <a:schemeClr val="accent1">
-              <a:shade val="50000"/>
-            </a:schemeClr>
-          </a:lnRef>
-          <a:fillRef idx="1">
-            <a:schemeClr val="accent1"/>
-          </a:fillRef>
-          <a:effectRef idx="0">
-            <a:schemeClr val="accent1"/>
-          </a:effectRef>
-          <a:fontRef idx="minor">
-            <a:schemeClr val="lt1"/>
-          </a:fontRef>
-        </p:style>
-        <p:txBody>
-          <a:bodyPr rtlCol="0" anchor="ctr"/>
-          <a:lstStyle/>
-          <a:p>
-            <a:pPr algn="ctr"/>
-            <a:r>
-              <a:rPr lang="en-US" dirty="0" smtClean="0"/>
-              <a:t>9 follow path</a:t>
-            </a:r>
-            <a:endParaRPr lang="en-US" dirty="0"/>
-          </a:p>
-        </p:txBody>
-      </p:sp>
-      <p:cxnSp>
-        <p:nvCxnSpPr>
-          <p:cNvPr id="32" name="Straight Arrow Connector 31"/>
-          <p:cNvCxnSpPr>
-            <a:stCxn id="52" idx="6"/>
-            <a:endCxn id="48" idx="2"/>
-          </p:cNvCxnSpPr>
-          <p:nvPr/>
-        </p:nvCxnSpPr>
-        <p:spPr>
-          <a:xfrm flipV="1">
-            <a:off x="4038600" y="4879295"/>
-            <a:ext cx="1009761" cy="73705"/>
-          </a:xfrm>
-          <a:prstGeom prst="straightConnector1">
-            <a:avLst/>
-          </a:prstGeom>
-          <a:ln>
-            <a:tailEnd type="arrow"/>
-          </a:ln>
-        </p:spPr>
-        <p:style>
-          <a:lnRef idx="1">
-            <a:schemeClr val="accent1"/>
-          </a:lnRef>
-          <a:fillRef idx="0">
-            <a:schemeClr val="accent1"/>
-          </a:fillRef>
-          <a:effectRef idx="0">
-            <a:schemeClr val="accent1"/>
-          </a:effectRef>
-          <a:fontRef idx="minor">
-            <a:schemeClr val="tx1"/>
-          </a:fontRef>
-        </p:style>
-      </p:cxnSp>
-      <p:cxnSp>
-        <p:nvCxnSpPr>
-          <p:cNvPr id="34" name="Straight Arrow Connector 33"/>
-          <p:cNvCxnSpPr>
-            <a:stCxn id="48" idx="6"/>
-            <a:endCxn id="11" idx="3"/>
-          </p:cNvCxnSpPr>
-          <p:nvPr/>
-        </p:nvCxnSpPr>
-        <p:spPr>
-          <a:xfrm flipV="1">
-            <a:off x="6343760" y="2923827"/>
-            <a:ext cx="1587247" cy="1955468"/>
-          </a:xfrm>
-          <a:prstGeom prst="straightConnector1">
-            <a:avLst/>
-          </a:prstGeom>
-          <a:ln>
-            <a:tailEnd type="arrow"/>
-          </a:ln>
-        </p:spPr>
-        <p:style>
-          <a:lnRef idx="1">
-            <a:schemeClr val="accent1"/>
-          </a:lnRef>
-          <a:fillRef idx="0">
-            <a:schemeClr val="accent1"/>
-          </a:fillRef>
-          <a:effectRef idx="0">
-            <a:schemeClr val="accent1"/>
-          </a:effectRef>
-          <a:fontRef idx="minor">
-            <a:schemeClr val="tx1"/>
-          </a:fontRef>
-        </p:style>
-      </p:cxnSp>
-      <p:cxnSp>
-        <p:nvCxnSpPr>
-          <p:cNvPr id="45" name="Elbow Connector 44"/>
-          <p:cNvCxnSpPr>
-            <a:stCxn id="66" idx="6"/>
-            <a:endCxn id="11" idx="3"/>
-          </p:cNvCxnSpPr>
-          <p:nvPr/>
-        </p:nvCxnSpPr>
-        <p:spPr>
-          <a:xfrm flipV="1">
-            <a:off x="1905000" y="2923827"/>
-            <a:ext cx="6026007" cy="3362673"/>
-          </a:xfrm>
-          <a:prstGeom prst="bentConnector2">
-            <a:avLst/>
-          </a:prstGeom>
-          <a:ln>
-            <a:tailEnd type="arrow"/>
-          </a:ln>
-        </p:spPr>
-        <p:style>
-          <a:lnRef idx="1">
-            <a:schemeClr val="accent1"/>
-          </a:lnRef>
-          <a:fillRef idx="0">
-            <a:schemeClr val="accent1"/>
-          </a:fillRef>
-          <a:effectRef idx="0">
-            <a:schemeClr val="accent1"/>
-          </a:effectRef>
-          <a:fontRef idx="minor">
-            <a:schemeClr val="tx1"/>
-          </a:fontRef>
-        </p:style>
-      </p:cxnSp>
-      <p:sp>
-        <p:nvSpPr>
-          <p:cNvPr id="64" name="TextBox 63"/>
-          <p:cNvSpPr txBox="1"/>
-          <p:nvPr/>
-        </p:nvSpPr>
-        <p:spPr>
-          <a:xfrm>
-            <a:off x="6512419" y="3036332"/>
-            <a:ext cx="1350691" cy="369332"/>
-          </a:xfrm>
-          <a:prstGeom prst="rect">
-            <a:avLst/>
-          </a:prstGeom>
-          <a:noFill/>
-        </p:spPr>
-        <p:txBody>
-          <a:bodyPr wrap="none" rtlCol="0">
-            <a:spAutoFit/>
-          </a:bodyPr>
-          <a:lstStyle/>
-          <a:p>
-            <a:r>
-              <a:rPr lang="en-US" dirty="0" err="1" smtClean="0"/>
-              <a:t>distInches</a:t>
-            </a:r>
-            <a:r>
-              <a:rPr lang="en-US" dirty="0" smtClean="0"/>
-              <a:t>&gt;?</a:t>
-            </a:r>
-            <a:endParaRPr lang="en-US" dirty="0"/>
-          </a:p>
-        </p:txBody>
-      </p:sp>
-      <p:sp>
-        <p:nvSpPr>
-          <p:cNvPr id="69" name="TextBox 68"/>
-          <p:cNvSpPr txBox="1"/>
-          <p:nvPr/>
-        </p:nvSpPr>
-        <p:spPr>
-          <a:xfrm>
-            <a:off x="6417958" y="4215461"/>
-            <a:ext cx="1350691" cy="369332"/>
-          </a:xfrm>
-          <a:prstGeom prst="rect">
-            <a:avLst/>
-          </a:prstGeom>
-          <a:noFill/>
-        </p:spPr>
-        <p:txBody>
-          <a:bodyPr wrap="none" rtlCol="0">
-            <a:spAutoFit/>
-          </a:bodyPr>
-          <a:lstStyle/>
-          <a:p>
-            <a:r>
-              <a:rPr lang="en-US" dirty="0" err="1" smtClean="0"/>
-              <a:t>distInches</a:t>
-            </a:r>
-            <a:r>
-              <a:rPr lang="en-US" dirty="0" smtClean="0"/>
-              <a:t>&gt;?</a:t>
-            </a:r>
-            <a:endParaRPr lang="en-US" dirty="0"/>
-          </a:p>
-        </p:txBody>
-      </p:sp>
-      <p:cxnSp>
-        <p:nvCxnSpPr>
-          <p:cNvPr id="74" name="Straight Arrow Connector 73"/>
-          <p:cNvCxnSpPr>
-            <a:stCxn id="11" idx="4"/>
-            <a:endCxn id="97" idx="0"/>
-          </p:cNvCxnSpPr>
-          <p:nvPr/>
-        </p:nvCxnSpPr>
-        <p:spPr>
-          <a:xfrm>
-            <a:off x="8322975" y="3036332"/>
-            <a:ext cx="212590" cy="884628"/>
-          </a:xfrm>
-          <a:prstGeom prst="straightConnector1">
-            <a:avLst/>
-          </a:prstGeom>
-          <a:ln>
-            <a:tailEnd type="arrow"/>
-          </a:ln>
-        </p:spPr>
-        <p:style>
-          <a:lnRef idx="1">
-            <a:schemeClr val="accent1"/>
-          </a:lnRef>
-          <a:fillRef idx="0">
-            <a:schemeClr val="accent1"/>
-          </a:fillRef>
-          <a:effectRef idx="0">
-            <a:schemeClr val="accent1"/>
-          </a:effectRef>
-          <a:fontRef idx="minor">
-            <a:schemeClr val="tx1"/>
-          </a:fontRef>
-        </p:style>
-      </p:cxnSp>
     </p:spTree>
+    <p:extLst>
+      <p:ext uri="{BB962C8B-B14F-4D97-AF65-F5344CB8AC3E}">
+        <p14:creationId xmlns:p14="http://schemas.microsoft.com/office/powerpoint/2010/main" val="2746374281"/>
+      </p:ext>
+    </p:extLst>
   </p:cSld>
   <p:clrMapOvr>
     <a:masterClrMapping/>
@@ -4736,8 +4358,8 @@
         </p:nvSpPr>
         <p:spPr>
           <a:xfrm>
-            <a:off x="5943600" y="2362200"/>
-            <a:ext cx="990600" cy="609600"/>
+            <a:off x="7768649" y="2268102"/>
+            <a:ext cx="1108651" cy="768230"/>
           </a:xfrm>
           <a:prstGeom prst="ellipse">
             <a:avLst/>
@@ -4766,7 +4388,11 @@
             <a:pPr algn="ctr"/>
             <a:r>
               <a:rPr lang="en-US" dirty="0" smtClean="0"/>
-              <a:t>7 Flip Box</a:t>
+              <a:t> 10 Flip </a:t>
+            </a:r>
+            <a:r>
+              <a:rPr lang="en-US" dirty="0" smtClean="0"/>
+              <a:t>Box</a:t>
             </a:r>
           </a:p>
         </p:txBody>
@@ -4781,9 +4407,9 @@
           <p:nvPr/>
         </p:nvCxnSpPr>
         <p:spPr>
-          <a:xfrm>
-            <a:off x="3962400" y="2667000"/>
-            <a:ext cx="1981200" cy="0"/>
+          <a:xfrm flipV="1">
+            <a:off x="3962400" y="2652217"/>
+            <a:ext cx="3806249" cy="14783"/>
           </a:xfrm>
           <a:prstGeom prst="straightConnector1">
             <a:avLst/>
@@ -4815,7 +4441,7 @@
         </p:nvSpPr>
         <p:spPr>
           <a:xfrm>
-            <a:off x="4495800" y="2362200"/>
+            <a:off x="4181419" y="2362200"/>
             <a:ext cx="628762" cy="369332"/>
           </a:xfrm>
           <a:prstGeom prst="rect">
@@ -5070,14 +4696,14 @@
           <p:cNvPr id="46" name="Straight Arrow Connector 45"/>
           <p:cNvCxnSpPr>
             <a:stCxn id="38" idx="6"/>
-            <a:endCxn id="11" idx="2"/>
+            <a:endCxn id="41" idx="2"/>
           </p:cNvCxnSpPr>
           <p:nvPr/>
         </p:nvCxnSpPr>
         <p:spPr>
-          <a:xfrm flipV="1">
-            <a:off x="3962400" y="2667000"/>
-            <a:ext cx="1981200" cy="1066800"/>
+          <a:xfrm>
+            <a:off x="3962400" y="3733800"/>
+            <a:ext cx="1314450" cy="17898"/>
           </a:xfrm>
           <a:prstGeom prst="straightConnector1">
             <a:avLst/>
@@ -5359,42 +4985,6 @@
           </a:p>
         </p:txBody>
       </p:sp>
-      <p:cxnSp>
-        <p:nvCxnSpPr>
-          <p:cNvPr id="62" name="Straight Arrow Connector 61"/>
-          <p:cNvCxnSpPr>
-            <a:stCxn id="52" idx="7"/>
-            <a:endCxn id="11" idx="3"/>
-          </p:cNvCxnSpPr>
-          <p:nvPr/>
-        </p:nvCxnSpPr>
-        <p:spPr>
-          <a:xfrm flipV="1">
-            <a:off x="3893530" y="2882526"/>
-            <a:ext cx="2195140" cy="1854948"/>
-          </a:xfrm>
-          <a:prstGeom prst="straightConnector1">
-            <a:avLst/>
-          </a:prstGeom>
-          <a:ln>
-            <a:tailEnd type="arrow"/>
-          </a:ln>
-        </p:spPr>
-        <p:style>
-          <a:lnRef idx="1">
-            <a:schemeClr val="accent1"/>
-          </a:lnRef>
-          <a:fillRef idx="0">
-            <a:schemeClr val="accent1"/>
-          </a:fillRef>
-          <a:effectRef idx="0">
-            <a:schemeClr val="accent1"/>
-          </a:effectRef>
-          <a:fontRef idx="minor">
-            <a:schemeClr val="tx1"/>
-          </a:fontRef>
-        </p:style>
-      </p:cxnSp>
       <p:sp>
         <p:nvSpPr>
           <p:cNvPr id="65" name="TextBox 64"/>
@@ -5403,7 +4993,7 @@
         </p:nvSpPr>
         <p:spPr>
           <a:xfrm>
-            <a:off x="4419600" y="4038600"/>
+            <a:off x="4242783" y="4415445"/>
             <a:ext cx="628762" cy="369332"/>
           </a:xfrm>
           <a:prstGeom prst="rect">
@@ -5547,8 +5137,8 @@
         </p:nvSpPr>
         <p:spPr>
           <a:xfrm>
-            <a:off x="5943600" y="3657600"/>
-            <a:ext cx="990600" cy="609600"/>
+            <a:off x="7967730" y="3920960"/>
+            <a:ext cx="1135670" cy="958334"/>
           </a:xfrm>
           <a:prstGeom prst="ellipse">
             <a:avLst/>
@@ -5577,8 +5167,9 @@
             <a:pPr algn="ctr"/>
             <a:r>
               <a:rPr lang="en-US" dirty="0" smtClean="0"/>
-              <a:t>8</a:t>
-            </a:r>
+              <a:t>11 Follow path</a:t>
+            </a:r>
+            <a:endParaRPr lang="en-US" dirty="0" smtClean="0"/>
           </a:p>
         </p:txBody>
       </p:sp>
@@ -5591,7 +5182,7 @@
         <p:spPr>
           <a:xfrm>
             <a:off x="3023561" y="1870381"/>
-            <a:ext cx="915764" cy="369332"/>
+            <a:ext cx="1116011" cy="369332"/>
           </a:xfrm>
           <a:prstGeom prst="rect">
             <a:avLst/>
@@ -5605,12 +5196,8 @@
           <a:lstStyle/>
           <a:p>
             <a:r>
-              <a:rPr lang="en-US" dirty="0" err="1" smtClean="0"/>
-              <a:t>Svo</a:t>
-            </a:r>
-            <a:r>
               <a:rPr lang="en-US" dirty="0" smtClean="0"/>
-              <a:t> Out</a:t>
+              <a:t>Servo Out</a:t>
             </a:r>
             <a:endParaRPr lang="en-US" dirty="0"/>
           </a:p>
@@ -5650,12 +5237,421 @@
           </a:p>
         </p:txBody>
       </p:sp>
+      <p:sp>
+        <p:nvSpPr>
+          <p:cNvPr id="2" name="Oval 1"/>
+          <p:cNvSpPr/>
+          <p:nvPr/>
+        </p:nvSpPr>
+        <p:spPr>
+          <a:xfrm>
+            <a:off x="5048362" y="2268102"/>
+            <a:ext cx="1295399" cy="797795"/>
+          </a:xfrm>
+          <a:prstGeom prst="ellipse">
+            <a:avLst/>
+          </a:prstGeom>
+        </p:spPr>
+        <p:style>
+          <a:lnRef idx="2">
+            <a:schemeClr val="accent1">
+              <a:shade val="50000"/>
+            </a:schemeClr>
+          </a:lnRef>
+          <a:fillRef idx="1">
+            <a:schemeClr val="accent1"/>
+          </a:fillRef>
+          <a:effectRef idx="0">
+            <a:schemeClr val="accent1"/>
+          </a:effectRef>
+          <a:fontRef idx="minor">
+            <a:schemeClr val="lt1"/>
+          </a:fontRef>
+        </p:style>
+        <p:txBody>
+          <a:bodyPr rtlCol="0" anchor="ctr"/>
+          <a:lstStyle/>
+          <a:p>
+            <a:pPr algn="ctr"/>
+            <a:r>
+              <a:rPr lang="en-US" dirty="0" smtClean="0"/>
+              <a:t>7 follow path</a:t>
+            </a:r>
+            <a:endParaRPr lang="en-US" dirty="0"/>
+          </a:p>
+        </p:txBody>
+      </p:sp>
+      <p:sp>
+        <p:nvSpPr>
+          <p:cNvPr id="40" name="TextBox 39"/>
+          <p:cNvSpPr txBox="1"/>
+          <p:nvPr/>
+        </p:nvSpPr>
+        <p:spPr>
+          <a:xfrm>
+            <a:off x="6409372" y="2215166"/>
+            <a:ext cx="1350691" cy="369332"/>
+          </a:xfrm>
+          <a:prstGeom prst="rect">
+            <a:avLst/>
+          </a:prstGeom>
+          <a:noFill/>
+        </p:spPr>
+        <p:txBody>
+          <a:bodyPr wrap="none" rtlCol="0">
+            <a:spAutoFit/>
+          </a:bodyPr>
+          <a:lstStyle/>
+          <a:p>
+            <a:r>
+              <a:rPr lang="en-US" dirty="0" err="1" smtClean="0"/>
+              <a:t>distInches</a:t>
+            </a:r>
+            <a:r>
+              <a:rPr lang="en-US" dirty="0" smtClean="0"/>
+              <a:t>&gt;?</a:t>
+            </a:r>
+            <a:endParaRPr lang="en-US" dirty="0"/>
+          </a:p>
+        </p:txBody>
+      </p:sp>
+      <p:sp>
+        <p:nvSpPr>
+          <p:cNvPr id="41" name="Oval 40"/>
+          <p:cNvSpPr/>
+          <p:nvPr/>
+        </p:nvSpPr>
+        <p:spPr>
+          <a:xfrm>
+            <a:off x="5276850" y="3352800"/>
+            <a:ext cx="1295399" cy="797795"/>
+          </a:xfrm>
+          <a:prstGeom prst="ellipse">
+            <a:avLst/>
+          </a:prstGeom>
+        </p:spPr>
+        <p:style>
+          <a:lnRef idx="2">
+            <a:schemeClr val="accent1">
+              <a:shade val="50000"/>
+            </a:schemeClr>
+          </a:lnRef>
+          <a:fillRef idx="1">
+            <a:schemeClr val="accent1"/>
+          </a:fillRef>
+          <a:effectRef idx="0">
+            <a:schemeClr val="accent1"/>
+          </a:effectRef>
+          <a:fontRef idx="minor">
+            <a:schemeClr val="lt1"/>
+          </a:fontRef>
+        </p:style>
+        <p:txBody>
+          <a:bodyPr rtlCol="0" anchor="ctr"/>
+          <a:lstStyle/>
+          <a:p>
+            <a:pPr algn="ctr"/>
+            <a:r>
+              <a:rPr lang="en-US" dirty="0" smtClean="0"/>
+              <a:t>8 follow path</a:t>
+            </a:r>
+            <a:endParaRPr lang="en-US" dirty="0"/>
+          </a:p>
+        </p:txBody>
+      </p:sp>
+      <p:cxnSp>
+        <p:nvCxnSpPr>
+          <p:cNvPr id="26" name="Straight Arrow Connector 25"/>
+          <p:cNvCxnSpPr>
+            <a:stCxn id="41" idx="6"/>
+            <a:endCxn id="11" idx="3"/>
+          </p:cNvCxnSpPr>
+          <p:nvPr/>
+        </p:nvCxnSpPr>
+        <p:spPr>
+          <a:xfrm flipV="1">
+            <a:off x="6572249" y="2923827"/>
+            <a:ext cx="1358758" cy="827871"/>
+          </a:xfrm>
+          <a:prstGeom prst="straightConnector1">
+            <a:avLst/>
+          </a:prstGeom>
+          <a:ln>
+            <a:tailEnd type="arrow"/>
+          </a:ln>
+        </p:spPr>
+        <p:style>
+          <a:lnRef idx="1">
+            <a:schemeClr val="accent1"/>
+          </a:lnRef>
+          <a:fillRef idx="0">
+            <a:schemeClr val="accent1"/>
+          </a:fillRef>
+          <a:effectRef idx="0">
+            <a:schemeClr val="accent1"/>
+          </a:effectRef>
+          <a:fontRef idx="minor">
+            <a:schemeClr val="tx1"/>
+          </a:fontRef>
+        </p:style>
+      </p:cxnSp>
+      <p:sp>
+        <p:nvSpPr>
+          <p:cNvPr id="48" name="Oval 47"/>
+          <p:cNvSpPr/>
+          <p:nvPr/>
+        </p:nvSpPr>
+        <p:spPr>
+          <a:xfrm>
+            <a:off x="5048361" y="4480397"/>
+            <a:ext cx="1295399" cy="797795"/>
+          </a:xfrm>
+          <a:prstGeom prst="ellipse">
+            <a:avLst/>
+          </a:prstGeom>
+        </p:spPr>
+        <p:style>
+          <a:lnRef idx="2">
+            <a:schemeClr val="accent1">
+              <a:shade val="50000"/>
+            </a:schemeClr>
+          </a:lnRef>
+          <a:fillRef idx="1">
+            <a:schemeClr val="accent1"/>
+          </a:fillRef>
+          <a:effectRef idx="0">
+            <a:schemeClr val="accent1"/>
+          </a:effectRef>
+          <a:fontRef idx="minor">
+            <a:schemeClr val="lt1"/>
+          </a:fontRef>
+        </p:style>
+        <p:txBody>
+          <a:bodyPr rtlCol="0" anchor="ctr"/>
+          <a:lstStyle/>
+          <a:p>
+            <a:pPr algn="ctr"/>
+            <a:r>
+              <a:rPr lang="en-US" dirty="0" smtClean="0"/>
+              <a:t>9 follow path</a:t>
+            </a:r>
+            <a:endParaRPr lang="en-US" dirty="0"/>
+          </a:p>
+        </p:txBody>
+      </p:sp>
+      <p:cxnSp>
+        <p:nvCxnSpPr>
+          <p:cNvPr id="32" name="Straight Arrow Connector 31"/>
+          <p:cNvCxnSpPr>
+            <a:stCxn id="52" idx="6"/>
+            <a:endCxn id="48" idx="2"/>
+          </p:cNvCxnSpPr>
+          <p:nvPr/>
+        </p:nvCxnSpPr>
+        <p:spPr>
+          <a:xfrm flipV="1">
+            <a:off x="4038600" y="4879295"/>
+            <a:ext cx="1009761" cy="73705"/>
+          </a:xfrm>
+          <a:prstGeom prst="straightConnector1">
+            <a:avLst/>
+          </a:prstGeom>
+          <a:ln>
+            <a:tailEnd type="arrow"/>
+          </a:ln>
+        </p:spPr>
+        <p:style>
+          <a:lnRef idx="1">
+            <a:schemeClr val="accent1"/>
+          </a:lnRef>
+          <a:fillRef idx="0">
+            <a:schemeClr val="accent1"/>
+          </a:fillRef>
+          <a:effectRef idx="0">
+            <a:schemeClr val="accent1"/>
+          </a:effectRef>
+          <a:fontRef idx="minor">
+            <a:schemeClr val="tx1"/>
+          </a:fontRef>
+        </p:style>
+      </p:cxnSp>
+      <p:cxnSp>
+        <p:nvCxnSpPr>
+          <p:cNvPr id="34" name="Straight Arrow Connector 33"/>
+          <p:cNvCxnSpPr>
+            <a:stCxn id="48" idx="6"/>
+            <a:endCxn id="11" idx="3"/>
+          </p:cNvCxnSpPr>
+          <p:nvPr/>
+        </p:nvCxnSpPr>
+        <p:spPr>
+          <a:xfrm flipV="1">
+            <a:off x="6343760" y="2923827"/>
+            <a:ext cx="1587247" cy="1955468"/>
+          </a:xfrm>
+          <a:prstGeom prst="straightConnector1">
+            <a:avLst/>
+          </a:prstGeom>
+          <a:ln>
+            <a:tailEnd type="arrow"/>
+          </a:ln>
+        </p:spPr>
+        <p:style>
+          <a:lnRef idx="1">
+            <a:schemeClr val="accent1"/>
+          </a:lnRef>
+          <a:fillRef idx="0">
+            <a:schemeClr val="accent1"/>
+          </a:fillRef>
+          <a:effectRef idx="0">
+            <a:schemeClr val="accent1"/>
+          </a:effectRef>
+          <a:fontRef idx="minor">
+            <a:schemeClr val="tx1"/>
+          </a:fontRef>
+        </p:style>
+      </p:cxnSp>
+      <p:cxnSp>
+        <p:nvCxnSpPr>
+          <p:cNvPr id="45" name="Elbow Connector 44"/>
+          <p:cNvCxnSpPr>
+            <a:stCxn id="66" idx="6"/>
+            <a:endCxn id="11" idx="3"/>
+          </p:cNvCxnSpPr>
+          <p:nvPr/>
+        </p:nvCxnSpPr>
+        <p:spPr>
+          <a:xfrm flipV="1">
+            <a:off x="1905000" y="2923827"/>
+            <a:ext cx="6026007" cy="3362673"/>
+          </a:xfrm>
+          <a:prstGeom prst="bentConnector2">
+            <a:avLst/>
+          </a:prstGeom>
+          <a:ln>
+            <a:tailEnd type="arrow"/>
+          </a:ln>
+        </p:spPr>
+        <p:style>
+          <a:lnRef idx="1">
+            <a:schemeClr val="accent1"/>
+          </a:lnRef>
+          <a:fillRef idx="0">
+            <a:schemeClr val="accent1"/>
+          </a:fillRef>
+          <a:effectRef idx="0">
+            <a:schemeClr val="accent1"/>
+          </a:effectRef>
+          <a:fontRef idx="minor">
+            <a:schemeClr val="tx1"/>
+          </a:fontRef>
+        </p:style>
+      </p:cxnSp>
+      <p:sp>
+        <p:nvSpPr>
+          <p:cNvPr id="64" name="TextBox 63"/>
+          <p:cNvSpPr txBox="1"/>
+          <p:nvPr/>
+        </p:nvSpPr>
+        <p:spPr>
+          <a:xfrm>
+            <a:off x="6512419" y="3036332"/>
+            <a:ext cx="1350691" cy="369332"/>
+          </a:xfrm>
+          <a:prstGeom prst="rect">
+            <a:avLst/>
+          </a:prstGeom>
+          <a:noFill/>
+        </p:spPr>
+        <p:txBody>
+          <a:bodyPr wrap="none" rtlCol="0">
+            <a:spAutoFit/>
+          </a:bodyPr>
+          <a:lstStyle/>
+          <a:p>
+            <a:r>
+              <a:rPr lang="en-US" dirty="0" err="1" smtClean="0"/>
+              <a:t>distInches</a:t>
+            </a:r>
+            <a:r>
+              <a:rPr lang="en-US" dirty="0" smtClean="0"/>
+              <a:t>&gt;?</a:t>
+            </a:r>
+            <a:endParaRPr lang="en-US" dirty="0"/>
+          </a:p>
+        </p:txBody>
+      </p:sp>
+      <p:sp>
+        <p:nvSpPr>
+          <p:cNvPr id="69" name="TextBox 68"/>
+          <p:cNvSpPr txBox="1"/>
+          <p:nvPr/>
+        </p:nvSpPr>
+        <p:spPr>
+          <a:xfrm>
+            <a:off x="6417958" y="4215461"/>
+            <a:ext cx="1350691" cy="369332"/>
+          </a:xfrm>
+          <a:prstGeom prst="rect">
+            <a:avLst/>
+          </a:prstGeom>
+          <a:noFill/>
+        </p:spPr>
+        <p:txBody>
+          <a:bodyPr wrap="none" rtlCol="0">
+            <a:spAutoFit/>
+          </a:bodyPr>
+          <a:lstStyle/>
+          <a:p>
+            <a:r>
+              <a:rPr lang="en-US" dirty="0" err="1" smtClean="0"/>
+              <a:t>distInches</a:t>
+            </a:r>
+            <a:r>
+              <a:rPr lang="en-US" dirty="0" smtClean="0"/>
+              <a:t>&gt;?</a:t>
+            </a:r>
+            <a:endParaRPr lang="en-US" dirty="0"/>
+          </a:p>
+        </p:txBody>
+      </p:sp>
+      <p:cxnSp>
+        <p:nvCxnSpPr>
+          <p:cNvPr id="74" name="Straight Arrow Connector 73"/>
+          <p:cNvCxnSpPr>
+            <a:stCxn id="11" idx="4"/>
+            <a:endCxn id="97" idx="0"/>
+          </p:cNvCxnSpPr>
+          <p:nvPr/>
+        </p:nvCxnSpPr>
+        <p:spPr>
+          <a:xfrm>
+            <a:off x="8322975" y="3036332"/>
+            <a:ext cx="212590" cy="884628"/>
+          </a:xfrm>
+          <a:prstGeom prst="straightConnector1">
+            <a:avLst/>
+          </a:prstGeom>
+          <a:ln>
+            <a:tailEnd type="arrow"/>
+          </a:ln>
+        </p:spPr>
+        <p:style>
+          <a:lnRef idx="1">
+            <a:schemeClr val="accent1"/>
+          </a:lnRef>
+          <a:fillRef idx="0">
+            <a:schemeClr val="accent1"/>
+          </a:fillRef>
+          <a:effectRef idx="0">
+            <a:schemeClr val="accent1"/>
+          </a:effectRef>
+          <a:fontRef idx="minor">
+            <a:schemeClr val="tx1"/>
+          </a:fontRef>
+        </p:style>
+      </p:cxnSp>
     </p:spTree>
-    <p:extLst>
-      <p:ext uri="{BB962C8B-B14F-4D97-AF65-F5344CB8AC3E}">
-        <p14:creationId xmlns:p14="http://schemas.microsoft.com/office/powerpoint/2010/main" val="2746374281"/>
-      </p:ext>
-    </p:extLst>
   </p:cSld>
   <p:clrMapOvr>
     <a:masterClrMapping/>
